--- a/Doing_Data_Science/CaseStudy2/Reports/MSDSPresentationTemplatev0.1_2_2_2_2.pptx
+++ b/Doing_Data_Science/CaseStudy2/Reports/MSDSPresentationTemplatev0.1_2_2_2_2.pptx
@@ -5,7 +5,7 @@
     <p:sldMasterId id="2147483660" r:id="rId1"/>
   </p:sldMasterIdLst>
   <p:notesMasterIdLst>
-    <p:notesMasterId r:id="rId43"/>
+    <p:notesMasterId r:id="rId42"/>
   </p:notesMasterIdLst>
   <p:sldIdLst>
     <p:sldId id="256" r:id="rId2"/>
@@ -29,26 +29,25 @@
     <p:sldId id="287" r:id="rId20"/>
     <p:sldId id="273" r:id="rId21"/>
     <p:sldId id="288" r:id="rId22"/>
-    <p:sldId id="289" r:id="rId23"/>
-    <p:sldId id="274" r:id="rId24"/>
-    <p:sldId id="259" r:id="rId25"/>
+    <p:sldId id="292" r:id="rId23"/>
+    <p:sldId id="299" r:id="rId24"/>
+    <p:sldId id="289" r:id="rId25"/>
     <p:sldId id="260" r:id="rId26"/>
     <p:sldId id="261" r:id="rId27"/>
     <p:sldId id="290" r:id="rId28"/>
     <p:sldId id="291" r:id="rId29"/>
-    <p:sldId id="292" r:id="rId30"/>
-    <p:sldId id="262" r:id="rId31"/>
-    <p:sldId id="293" r:id="rId32"/>
+    <p:sldId id="262" r:id="rId30"/>
+    <p:sldId id="293" r:id="rId31"/>
+    <p:sldId id="300" r:id="rId32"/>
     <p:sldId id="263" r:id="rId33"/>
-    <p:sldId id="264" r:id="rId34"/>
-    <p:sldId id="265" r:id="rId35"/>
+    <p:sldId id="301" r:id="rId34"/>
+    <p:sldId id="264" r:id="rId35"/>
     <p:sldId id="266" r:id="rId36"/>
     <p:sldId id="275" r:id="rId37"/>
-    <p:sldId id="294" r:id="rId38"/>
-    <p:sldId id="295" r:id="rId39"/>
-    <p:sldId id="296" r:id="rId40"/>
-    <p:sldId id="297" r:id="rId41"/>
-    <p:sldId id="298" r:id="rId42"/>
+    <p:sldId id="295" r:id="rId38"/>
+    <p:sldId id="296" r:id="rId39"/>
+    <p:sldId id="297" r:id="rId40"/>
+    <p:sldId id="298" r:id="rId41"/>
   </p:sldIdLst>
   <p:sldSz cx="9144000" cy="6858000" type="screen4x3"/>
   <p:notesSz cx="6858000" cy="9144000"/>
@@ -149,7 +148,7 @@
   </p:defaultTextStyle>
   <p:extLst>
     <p:ext uri="{EFAFB233-063F-42B5-8137-9DF3F51BA10A}">
-      <p15:sldGuideLst xmlns:p15="http://schemas.microsoft.com/office/powerpoint/2012/main"/>
+      <p15:sldGuideLst xmlns:p15="http://schemas.microsoft.com/office/powerpoint/2012/main" xmlns=""/>
     </p:ext>
   </p:extLst>
 </p:presentation>
@@ -241,7 +240,7 @@
           <a:p>
             <a:fld id="{935336F5-A68D-9A4A-83AB-B8CD6FA5C732}" type="datetimeFigureOut">
               <a:rPr lang="en-US" smtClean="0"/>
-              <a:t>8/1/2018</a:t>
+              <a:t>8/4/2018</a:t>
             </a:fld>
             <a:endParaRPr lang="en-US"/>
           </a:p>
@@ -890,7 +889,7 @@
           <a:p>
             <a:fld id="{D8AC05B1-2526-7C44-8A74-66C916069F4A}" type="datetime1">
               <a:rPr lang="en-US" smtClean="0"/>
-              <a:t>8/1/2018</a:t>
+              <a:t>8/4/2018</a:t>
             </a:fld>
             <a:endParaRPr lang="en-US"/>
           </a:p>
@@ -1081,7 +1080,7 @@
           <a:p>
             <a:fld id="{C0E5C021-D243-504D-84B8-D45D829E8B6B}" type="datetime1">
               <a:rPr lang="en-US" smtClean="0"/>
-              <a:t>8/1/2018</a:t>
+              <a:t>8/4/2018</a:t>
             </a:fld>
             <a:endParaRPr lang="en-US"/>
           </a:p>
@@ -1262,7 +1261,7 @@
           <a:p>
             <a:fld id="{B6F93F85-28A1-8344-9763-EF19E19F9128}" type="datetime1">
               <a:rPr lang="en-US" smtClean="0"/>
-              <a:t>8/1/2018</a:t>
+              <a:t>8/4/2018</a:t>
             </a:fld>
             <a:endParaRPr lang="en-US"/>
           </a:p>
@@ -1526,7 +1525,7 @@
           <a:p>
             <a:fld id="{A2B5E9FB-9AD4-754B-A772-6D3733DD5BAC}" type="datetime1">
               <a:rPr lang="en-US" smtClean="0"/>
-              <a:t>8/1/2018</a:t>
+              <a:t>8/4/2018</a:t>
             </a:fld>
             <a:endParaRPr lang="en-US"/>
           </a:p>
@@ -1769,7 +1768,7 @@
           <a:p>
             <a:fld id="{3140DF9E-9222-EE48-A64D-28DE5FAE4784}" type="datetime1">
               <a:rPr lang="en-US" smtClean="0"/>
-              <a:t>8/1/2018</a:t>
+              <a:t>8/4/2018</a:t>
             </a:fld>
             <a:endParaRPr lang="en-US"/>
           </a:p>
@@ -2147,7 +2146,7 @@
           <a:p>
             <a:fld id="{A61490FA-57A5-0041-9FDC-ACD83A9AA0E7}" type="datetime1">
               <a:rPr lang="en-US" smtClean="0"/>
-              <a:t>8/1/2018</a:t>
+              <a:t>8/4/2018</a:t>
             </a:fld>
             <a:endParaRPr lang="en-US"/>
           </a:p>
@@ -2276,7 +2275,7 @@
           <a:p>
             <a:fld id="{7E8290BC-2F66-E549-BF33-0BE20A5801B5}" type="datetime1">
               <a:rPr lang="en-US" smtClean="0"/>
-              <a:t>8/1/2018</a:t>
+              <a:t>8/4/2018</a:t>
             </a:fld>
             <a:endParaRPr lang="en-US"/>
           </a:p>
@@ -2382,7 +2381,7 @@
           <a:p>
             <a:fld id="{3BC728CC-7587-8545-9431-C9A8BB34EC62}" type="datetime1">
               <a:rPr lang="en-US" smtClean="0"/>
-              <a:t>8/1/2018</a:t>
+              <a:t>8/4/2018</a:t>
             </a:fld>
             <a:endParaRPr lang="en-US"/>
           </a:p>
@@ -2670,7 +2669,7 @@
           <a:p>
             <a:fld id="{9A66CD15-5422-0542-9CE8-BC312846333A}" type="datetime1">
               <a:rPr lang="en-US" smtClean="0"/>
-              <a:t>8/1/2018</a:t>
+              <a:t>8/4/2018</a:t>
             </a:fld>
             <a:endParaRPr lang="en-US"/>
           </a:p>
@@ -2938,7 +2937,7 @@
           <a:p>
             <a:fld id="{2A2384D1-AE54-4D4A-B83F-6EAD03BEB987}" type="datetime1">
               <a:rPr lang="en-US" smtClean="0"/>
-              <a:t>8/1/2018</a:t>
+              <a:t>8/4/2018</a:t>
             </a:fld>
             <a:endParaRPr lang="en-US"/>
           </a:p>
@@ -3860,7 +3859,7 @@
           <p:cNvPr id="2" name="Title 1">
             <a:extLst>
               <a:ext uri="{FF2B5EF4-FFF2-40B4-BE49-F238E27FC236}">
-                <a16:creationId xmlns:a16="http://schemas.microsoft.com/office/drawing/2014/main" id="{F19D4C4C-38E0-4BA0-8683-E58FC183E858}"/>
+                <a16:creationId xmlns:a16="http://schemas.microsoft.com/office/drawing/2014/main" xmlns="" id="{F19D4C4C-38E0-4BA0-8683-E58FC183E858}"/>
               </a:ext>
             </a:extLst>
           </p:cNvPr>
@@ -3898,7 +3897,7 @@
           <p:cNvPr id="4" name="Slide Number Placeholder 3">
             <a:extLst>
               <a:ext uri="{FF2B5EF4-FFF2-40B4-BE49-F238E27FC236}">
-                <a16:creationId xmlns:a16="http://schemas.microsoft.com/office/drawing/2014/main" id="{B29C2946-0225-4BE8-BC5F-3F2F35FA4656}"/>
+                <a16:creationId xmlns:a16="http://schemas.microsoft.com/office/drawing/2014/main" xmlns="" id="{B29C2946-0225-4BE8-BC5F-3F2F35FA4656}"/>
               </a:ext>
             </a:extLst>
           </p:cNvPr>
@@ -3928,7 +3927,7 @@
           <p:cNvPr id="18" name="Content Placeholder 17">
             <a:extLst>
               <a:ext uri="{FF2B5EF4-FFF2-40B4-BE49-F238E27FC236}">
-                <a16:creationId xmlns:a16="http://schemas.microsoft.com/office/drawing/2014/main" id="{B70FA49E-DB1A-4D2F-B3D6-A12086B252A1}"/>
+                <a16:creationId xmlns:a16="http://schemas.microsoft.com/office/drawing/2014/main" xmlns="" id="{B70FA49E-DB1A-4D2F-B3D6-A12086B252A1}"/>
               </a:ext>
             </a:extLst>
           </p:cNvPr>
@@ -4026,7 +4025,7 @@
           <p:cNvPr id="6" name="Content Placeholder 5">
             <a:extLst>
               <a:ext uri="{FF2B5EF4-FFF2-40B4-BE49-F238E27FC236}">
-                <a16:creationId xmlns:a16="http://schemas.microsoft.com/office/drawing/2014/main" id="{E8857B41-3BD7-49E9-8668-2A733709510E}"/>
+                <a16:creationId xmlns:a16="http://schemas.microsoft.com/office/drawing/2014/main" xmlns="" id="{E8857B41-3BD7-49E9-8668-2A733709510E}"/>
               </a:ext>
             </a:extLst>
           </p:cNvPr>
@@ -4147,7 +4146,7 @@
           <p:cNvPr id="6" name="Content Placeholder 5">
             <a:extLst>
               <a:ext uri="{FF2B5EF4-FFF2-40B4-BE49-F238E27FC236}">
-                <a16:creationId xmlns:a16="http://schemas.microsoft.com/office/drawing/2014/main" id="{61D6C121-E635-4D07-B4C2-35D4734261AF}"/>
+                <a16:creationId xmlns:a16="http://schemas.microsoft.com/office/drawing/2014/main" xmlns="" id="{61D6C121-E635-4D07-B4C2-35D4734261AF}"/>
               </a:ext>
             </a:extLst>
           </p:cNvPr>
@@ -4291,7 +4290,7 @@
           <p:cNvPr id="7" name="Picture 6">
             <a:extLst>
               <a:ext uri="{FF2B5EF4-FFF2-40B4-BE49-F238E27FC236}">
-                <a16:creationId xmlns:a16="http://schemas.microsoft.com/office/drawing/2014/main" id="{C62A8C6E-7406-4259-956B-CB235BC49411}"/>
+                <a16:creationId xmlns:a16="http://schemas.microsoft.com/office/drawing/2014/main" xmlns="" id="{C62A8C6E-7406-4259-956B-CB235BC49411}"/>
               </a:ext>
             </a:extLst>
           </p:cNvPr>
@@ -4413,7 +4412,7 @@
           <p:cNvPr id="3" name="Picture 2">
             <a:extLst>
               <a:ext uri="{FF2B5EF4-FFF2-40B4-BE49-F238E27FC236}">
-                <a16:creationId xmlns:a16="http://schemas.microsoft.com/office/drawing/2014/main" id="{FF0E3EE5-FBE1-4ABD-9D9E-148B8D27868E}"/>
+                <a16:creationId xmlns:a16="http://schemas.microsoft.com/office/drawing/2014/main" xmlns="" id="{FF0E3EE5-FBE1-4ABD-9D9E-148B8D27868E}"/>
               </a:ext>
             </a:extLst>
           </p:cNvPr>
@@ -4535,7 +4534,7 @@
           <p:cNvPr id="6" name="Picture 5">
             <a:extLst>
               <a:ext uri="{FF2B5EF4-FFF2-40B4-BE49-F238E27FC236}">
-                <a16:creationId xmlns:a16="http://schemas.microsoft.com/office/drawing/2014/main" id="{052667F5-BF7A-4DCE-8553-4193F0796BA6}"/>
+                <a16:creationId xmlns:a16="http://schemas.microsoft.com/office/drawing/2014/main" xmlns="" id="{052667F5-BF7A-4DCE-8553-4193F0796BA6}"/>
               </a:ext>
             </a:extLst>
           </p:cNvPr>
@@ -4657,7 +4656,7 @@
           <p:cNvPr id="5" name="Picture 4">
             <a:extLst>
               <a:ext uri="{FF2B5EF4-FFF2-40B4-BE49-F238E27FC236}">
-                <a16:creationId xmlns:a16="http://schemas.microsoft.com/office/drawing/2014/main" id="{25ED1D38-B3A4-472A-8DAB-B21479F8E4F5}"/>
+                <a16:creationId xmlns:a16="http://schemas.microsoft.com/office/drawing/2014/main" xmlns="" id="{25ED1D38-B3A4-472A-8DAB-B21479F8E4F5}"/>
               </a:ext>
             </a:extLst>
           </p:cNvPr>
@@ -4779,7 +4778,7 @@
           <p:cNvPr id="6" name="Picture 5">
             <a:extLst>
               <a:ext uri="{FF2B5EF4-FFF2-40B4-BE49-F238E27FC236}">
-                <a16:creationId xmlns:a16="http://schemas.microsoft.com/office/drawing/2014/main" id="{5933CCDE-EF28-4D72-9A0F-56D773759CD1}"/>
+                <a16:creationId xmlns:a16="http://schemas.microsoft.com/office/drawing/2014/main" xmlns="" id="{5933CCDE-EF28-4D72-9A0F-56D773759CD1}"/>
               </a:ext>
             </a:extLst>
           </p:cNvPr>
@@ -4901,7 +4900,7 @@
           <p:cNvPr id="5" name="Picture 4">
             <a:extLst>
               <a:ext uri="{FF2B5EF4-FFF2-40B4-BE49-F238E27FC236}">
-                <a16:creationId xmlns:a16="http://schemas.microsoft.com/office/drawing/2014/main" id="{22881B27-7393-4AEC-9D9D-331C8757AA9B}"/>
+                <a16:creationId xmlns:a16="http://schemas.microsoft.com/office/drawing/2014/main" xmlns="" id="{22881B27-7393-4AEC-9D9D-331C8757AA9B}"/>
               </a:ext>
             </a:extLst>
           </p:cNvPr>
@@ -5023,7 +5022,7 @@
           <p:cNvPr id="6" name="Picture 5">
             <a:extLst>
               <a:ext uri="{FF2B5EF4-FFF2-40B4-BE49-F238E27FC236}">
-                <a16:creationId xmlns:a16="http://schemas.microsoft.com/office/drawing/2014/main" id="{40D4DAF3-4556-41BC-B21F-748A86A960F2}"/>
+                <a16:creationId xmlns:a16="http://schemas.microsoft.com/office/drawing/2014/main" xmlns="" id="{40D4DAF3-4556-41BC-B21F-748A86A960F2}"/>
               </a:ext>
             </a:extLst>
           </p:cNvPr>
@@ -5253,7 +5252,7 @@
           <p:cNvPr id="6" name="Picture 5">
             <a:extLst>
               <a:ext uri="{FF2B5EF4-FFF2-40B4-BE49-F238E27FC236}">
-                <a16:creationId xmlns:a16="http://schemas.microsoft.com/office/drawing/2014/main" id="{A457BCE3-99EB-4323-A275-C8085F28B912}"/>
+                <a16:creationId xmlns:a16="http://schemas.microsoft.com/office/drawing/2014/main" xmlns="" id="{A457BCE3-99EB-4323-A275-C8085F28B912}"/>
               </a:ext>
             </a:extLst>
           </p:cNvPr>
@@ -5283,7 +5282,7 @@
           <p:cNvPr id="8" name="Picture 7">
             <a:extLst>
               <a:ext uri="{FF2B5EF4-FFF2-40B4-BE49-F238E27FC236}">
-                <a16:creationId xmlns:a16="http://schemas.microsoft.com/office/drawing/2014/main" id="{06DF5910-A725-45C4-AE15-468EC2B1F611}"/>
+                <a16:creationId xmlns:a16="http://schemas.microsoft.com/office/drawing/2014/main" xmlns="" id="{06DF5910-A725-45C4-AE15-468EC2B1F611}"/>
               </a:ext>
             </a:extLst>
           </p:cNvPr>
@@ -5313,7 +5312,7 @@
           <p:cNvPr id="10" name="Picture 9">
             <a:extLst>
               <a:ext uri="{FF2B5EF4-FFF2-40B4-BE49-F238E27FC236}">
-                <a16:creationId xmlns:a16="http://schemas.microsoft.com/office/drawing/2014/main" id="{E2F97347-3CE1-40E8-998A-5AE6A3C0B505}"/>
+                <a16:creationId xmlns:a16="http://schemas.microsoft.com/office/drawing/2014/main" xmlns="" id="{E2F97347-3CE1-40E8-998A-5AE6A3C0B505}"/>
               </a:ext>
             </a:extLst>
           </p:cNvPr>
@@ -5343,7 +5342,7 @@
           <p:cNvPr id="12" name="Picture 11">
             <a:extLst>
               <a:ext uri="{FF2B5EF4-FFF2-40B4-BE49-F238E27FC236}">
-                <a16:creationId xmlns:a16="http://schemas.microsoft.com/office/drawing/2014/main" id="{747686DC-E0EE-4B66-91B5-2E302C5335FD}"/>
+                <a16:creationId xmlns:a16="http://schemas.microsoft.com/office/drawing/2014/main" xmlns="" id="{747686DC-E0EE-4B66-91B5-2E302C5335FD}"/>
               </a:ext>
             </a:extLst>
           </p:cNvPr>
@@ -5373,7 +5372,7 @@
           <p:cNvPr id="14" name="Picture 13">
             <a:extLst>
               <a:ext uri="{FF2B5EF4-FFF2-40B4-BE49-F238E27FC236}">
-                <a16:creationId xmlns:a16="http://schemas.microsoft.com/office/drawing/2014/main" id="{D75E8BAA-88BE-497B-ADB6-F7BD327977B7}"/>
+                <a16:creationId xmlns:a16="http://schemas.microsoft.com/office/drawing/2014/main" xmlns="" id="{D75E8BAA-88BE-497B-ADB6-F7BD327977B7}"/>
               </a:ext>
             </a:extLst>
           </p:cNvPr>
@@ -5403,7 +5402,7 @@
           <p:cNvPr id="16" name="Picture 15">
             <a:extLst>
               <a:ext uri="{FF2B5EF4-FFF2-40B4-BE49-F238E27FC236}">
-                <a16:creationId xmlns:a16="http://schemas.microsoft.com/office/drawing/2014/main" id="{8413762C-3AA6-4E09-B91D-446B0EFFDD61}"/>
+                <a16:creationId xmlns:a16="http://schemas.microsoft.com/office/drawing/2014/main" xmlns="" id="{8413762C-3AA6-4E09-B91D-446B0EFFDD61}"/>
               </a:ext>
             </a:extLst>
           </p:cNvPr>
@@ -5522,7 +5521,7 @@
           <p:cNvPr id="5" name="Picture 4">
             <a:extLst>
               <a:ext uri="{FF2B5EF4-FFF2-40B4-BE49-F238E27FC236}">
-                <a16:creationId xmlns:a16="http://schemas.microsoft.com/office/drawing/2014/main" id="{1C19F4AC-ED12-4A26-B469-DBF032E06E9E}"/>
+                <a16:creationId xmlns:a16="http://schemas.microsoft.com/office/drawing/2014/main" xmlns="" id="{1C19F4AC-ED12-4A26-B469-DBF032E06E9E}"/>
               </a:ext>
             </a:extLst>
           </p:cNvPr>
@@ -5587,7 +5586,13 @@
       </p:grpSpPr>
       <p:sp>
         <p:nvSpPr>
-          <p:cNvPr id="2" name="Title 1"/>
+          <p:cNvPr id="2" name="Title 1">
+            <a:extLst>
+              <a:ext uri="{FF2B5EF4-FFF2-40B4-BE49-F238E27FC236}">
+                <a16:creationId xmlns:a16="http://schemas.microsoft.com/office/drawing/2014/main" xmlns="" id="{F671E4CC-E3B3-4B6A-ABB0-88D976BF86DD}"/>
+              </a:ext>
+            </a:extLst>
+          </p:cNvPr>
           <p:cNvSpPr>
             <a:spLocks noGrp="1"/>
           </p:cNvSpPr>
@@ -5595,35 +5600,32 @@
             <p:ph type="title"/>
           </p:nvPr>
         </p:nvSpPr>
-        <p:spPr>
-          <a:xfrm>
-            <a:off x="628650" y="240029"/>
-            <a:ext cx="7886700" cy="1325563"/>
-          </a:xfrm>
-        </p:spPr>
-        <p:txBody>
-          <a:bodyPr>
-            <a:normAutofit fontScale="90000"/>
-          </a:bodyPr>
+        <p:spPr/>
+        <p:txBody>
+          <a:bodyPr/>
           <a:lstStyle/>
           <a:p>
             <a:r>
               <a:rPr lang="en-US" dirty="0"/>
-              <a:t>Deeper Analysis after full model regression</a:t>
-            </a:r>
-            <a:br>
-              <a:rPr lang="en-US" dirty="0"/>
-            </a:br>
-            <a:r>
-              <a:rPr lang="en-US" sz="1100" dirty="0"/>
-              <a:t>Analysis of data using backward elimination</a:t>
-            </a:r>
-          </a:p>
-        </p:txBody>
-      </p:sp>
-      <p:sp>
-        <p:nvSpPr>
-          <p:cNvPr id="4" name="Slide Number Placeholder 3"/>
+              <a:t>Visual Inspection of </a:t>
+            </a:r>
+            <a:r>
+              <a:rPr lang="en-US" dirty="0" smtClean="0"/>
+              <a:t>Continuous Variables </a:t>
+            </a:r>
+            <a:endParaRPr lang="en-US" dirty="0"/>
+          </a:p>
+        </p:txBody>
+      </p:sp>
+      <p:sp>
+        <p:nvSpPr>
+          <p:cNvPr id="4" name="Slide Number Placeholder 3">
+            <a:extLst>
+              <a:ext uri="{FF2B5EF4-FFF2-40B4-BE49-F238E27FC236}">
+                <a16:creationId xmlns:a16="http://schemas.microsoft.com/office/drawing/2014/main" xmlns="" id="{C75131EE-B8AE-4F83-81CB-B39D9743C6B5}"/>
+              </a:ext>
+            </a:extLst>
+          </p:cNvPr>
           <p:cNvSpPr>
             <a:spLocks noGrp="1"/>
           </p:cNvSpPr>
@@ -5638,6 +5640,7 @@
           <a:p>
             <a:fld id="{38327683-8978-6B4B-9130-4A6A841F0549}" type="slidenum">
               <a:rPr lang="en-US" smtClean="0"/>
+              <a:pPr/>
               <a:t>22</a:t>
             </a:fld>
             <a:endParaRPr lang="en-US" dirty="0"/>
@@ -5646,10 +5649,10 @@
       </p:sp>
       <p:pic>
         <p:nvPicPr>
-          <p:cNvPr id="5" name="Picture 4">
+          <p:cNvPr id="6" name="Picture 5">
             <a:extLst>
               <a:ext uri="{FF2B5EF4-FFF2-40B4-BE49-F238E27FC236}">
-                <a16:creationId xmlns:a16="http://schemas.microsoft.com/office/drawing/2014/main" id="{FE1B3E04-488C-4EFD-AF1D-FAE81D0AAA94}"/>
+                <a16:creationId xmlns:a16="http://schemas.microsoft.com/office/drawing/2014/main" xmlns="" id="{EAB7A5A3-217D-44B7-8B15-2E287114D567}"/>
               </a:ext>
             </a:extLst>
           </p:cNvPr>
@@ -5666,38 +5669,8 @@
         </p:blipFill>
         <p:spPr>
           <a:xfrm>
-            <a:off x="5019330" y="1550844"/>
-            <a:ext cx="3949206" cy="4714405"/>
-          </a:xfrm>
-          <a:prstGeom prst="rect">
-            <a:avLst/>
-          </a:prstGeom>
-        </p:spPr>
-      </p:pic>
-      <p:pic>
-        <p:nvPicPr>
-          <p:cNvPr id="7" name="Picture 6">
-            <a:extLst>
-              <a:ext uri="{FF2B5EF4-FFF2-40B4-BE49-F238E27FC236}">
-                <a16:creationId xmlns:a16="http://schemas.microsoft.com/office/drawing/2014/main" id="{C52FC8A3-B953-4E75-A84E-C91F8CC16072}"/>
-              </a:ext>
-            </a:extLst>
-          </p:cNvPr>
-          <p:cNvPicPr>
-            <a:picLocks noChangeAspect="1"/>
-          </p:cNvPicPr>
-          <p:nvPr/>
-        </p:nvPicPr>
-        <p:blipFill>
-          <a:blip r:embed="rId3"/>
-          <a:stretch>
-            <a:fillRect/>
-          </a:stretch>
-        </p:blipFill>
-        <p:spPr>
-          <a:xfrm>
-            <a:off x="175464" y="1565592"/>
-            <a:ext cx="4712730" cy="4699657"/>
+            <a:off x="1268603" y="1552879"/>
+            <a:ext cx="6401693" cy="4572638"/>
           </a:xfrm>
           <a:prstGeom prst="rect">
             <a:avLst/>
@@ -5707,7 +5680,7 @@
     </p:spTree>
     <p:extLst>
       <p:ext uri="{BB962C8B-B14F-4D97-AF65-F5344CB8AC3E}">
-        <p14:creationId xmlns:p14="http://schemas.microsoft.com/office/powerpoint/2010/main" val="1695355604"/>
+        <p14:creationId xmlns:p14="http://schemas.microsoft.com/office/powerpoint/2010/main" val="265720253"/>
       </p:ext>
     </p:extLst>
   </p:cSld>
@@ -5758,9 +5731,10 @@
           <a:lstStyle/>
           <a:p>
             <a:r>
-              <a:rPr lang="en-US" dirty="0"/>
-              <a:t>Backward Reduced Model#1 Regression</a:t>
-            </a:r>
+              <a:rPr lang="en-US" dirty="0" smtClean="0"/>
+              <a:t>Correlation Plot</a:t>
+            </a:r>
+            <a:endParaRPr lang="en-US" dirty="0"/>
           </a:p>
         </p:txBody>
       </p:sp>
@@ -5781,6 +5755,7 @@
           <a:p>
             <a:fld id="{38327683-8978-6B4B-9130-4A6A841F0549}" type="slidenum">
               <a:rPr lang="en-US" smtClean="0"/>
+              <a:pPr/>
               <a:t>23</a:t>
             </a:fld>
             <a:endParaRPr lang="en-US" dirty="0"/>
@@ -5789,38 +5764,64 @@
       </p:sp>
       <p:pic>
         <p:nvPicPr>
-          <p:cNvPr id="5" name="Picture 4">
+          <p:cNvPr id="1026" name="Picture 2"/>
+          <p:cNvPicPr>
+            <a:picLocks noGrp="1" noChangeAspect="1" noChangeArrowheads="1"/>
+          </p:cNvPicPr>
+          <p:nvPr>
+            <p:ph idx="1"/>
+          </p:nvPr>
+        </p:nvPicPr>
+        <p:blipFill>
+          <a:blip r:embed="rId2">
             <a:extLst>
-              <a:ext uri="{FF2B5EF4-FFF2-40B4-BE49-F238E27FC236}">
-                <a16:creationId xmlns:a16="http://schemas.microsoft.com/office/drawing/2014/main" id="{D5F1B55B-4910-4A14-9938-2F88040D99DD}"/>
+              <a:ext uri="{28A0092B-C50C-407E-A947-70E740481C1C}">
+                <a14:useLocalDpi xmlns:a14="http://schemas.microsoft.com/office/drawing/2010/main" val="0"/>
               </a:ext>
             </a:extLst>
-          </p:cNvPr>
-          <p:cNvPicPr>
-            <a:picLocks noChangeAspect="1"/>
-          </p:cNvPicPr>
-          <p:nvPr/>
-        </p:nvPicPr>
-        <p:blipFill>
-          <a:blip r:embed="rId2"/>
+          </a:blip>
+          <a:srcRect/>
           <a:stretch>
             <a:fillRect/>
           </a:stretch>
         </p:blipFill>
-        <p:spPr>
+        <p:spPr bwMode="auto">
           <a:xfrm>
-            <a:off x="1457325" y="2295525"/>
-            <a:ext cx="6229350" cy="2266950"/>
+            <a:off x="2157902" y="1825625"/>
+            <a:ext cx="4828196" cy="4351338"/>
           </a:xfrm>
           <a:prstGeom prst="rect">
             <a:avLst/>
           </a:prstGeom>
+          <a:noFill/>
+          <a:ln>
+            <a:noFill/>
+          </a:ln>
+          <a:extLst>
+            <a:ext uri="{909E8E84-426E-40DD-AFC4-6F175D3DCCD1}">
+              <a14:hiddenFill xmlns:a14="http://schemas.microsoft.com/office/drawing/2010/main">
+                <a:solidFill>
+                  <a:schemeClr val="accent1"/>
+                </a:solidFill>
+              </a14:hiddenFill>
+            </a:ext>
+            <a:ext uri="{91240B29-F687-4F45-9708-019B960494DF}">
+              <a14:hiddenLine xmlns:a14="http://schemas.microsoft.com/office/drawing/2010/main" w="9525">
+                <a:solidFill>
+                  <a:schemeClr val="tx1"/>
+                </a:solidFill>
+                <a:miter lim="800000"/>
+                <a:headEnd/>
+                <a:tailEnd/>
+              </a14:hiddenLine>
+            </a:ext>
+          </a:extLst>
         </p:spPr>
       </p:pic>
     </p:spTree>
     <p:extLst>
       <p:ext uri="{BB962C8B-B14F-4D97-AF65-F5344CB8AC3E}">
-        <p14:creationId xmlns:p14="http://schemas.microsoft.com/office/powerpoint/2010/main" val="1317524030"/>
+        <p14:creationId xmlns:p14="http://schemas.microsoft.com/office/powerpoint/2010/main" val="3375351561"/>
       </p:ext>
     </p:extLst>
   </p:cSld>
@@ -5865,14 +5866,36 @@
             <p:ph type="title"/>
           </p:nvPr>
         </p:nvSpPr>
-        <p:spPr/>
-        <p:txBody>
-          <a:bodyPr/>
+        <p:spPr>
+          <a:xfrm>
+            <a:off x="628650" y="240029"/>
+            <a:ext cx="7886700" cy="1325563"/>
+          </a:xfrm>
+        </p:spPr>
+        <p:txBody>
+          <a:bodyPr>
+            <a:normAutofit fontScale="90000"/>
+          </a:bodyPr>
           <a:lstStyle/>
           <a:p>
             <a:r>
               <a:rPr lang="en-US" dirty="0"/>
-              <a:t>Coefficients</a:t>
+              <a:t>Deeper Analysis </a:t>
+            </a:r>
+            <a:r>
+              <a:rPr lang="en-US" dirty="0" smtClean="0"/>
+              <a:t>For </a:t>
+            </a:r>
+            <a:r>
+              <a:rPr lang="en-US" dirty="0"/>
+              <a:t>full model regression</a:t>
+            </a:r>
+            <a:br>
+              <a:rPr lang="en-US" dirty="0"/>
+            </a:br>
+            <a:r>
+              <a:rPr lang="en-US" sz="1100" dirty="0"/>
+              <a:t>Analysis of data using backward elimination</a:t>
             </a:r>
           </a:p>
         </p:txBody>
@@ -5905,7 +5928,7 @@
           <p:cNvPr id="5" name="Picture 4">
             <a:extLst>
               <a:ext uri="{FF2B5EF4-FFF2-40B4-BE49-F238E27FC236}">
-                <a16:creationId xmlns:a16="http://schemas.microsoft.com/office/drawing/2014/main" id="{3FEB1F83-04C5-450D-B508-54F03D03A4A8}"/>
+                <a16:creationId xmlns:a16="http://schemas.microsoft.com/office/drawing/2014/main" xmlns="" id="{FE1B3E04-488C-4EFD-AF1D-FAE81D0AAA94}"/>
               </a:ext>
             </a:extLst>
           </p:cNvPr>
@@ -5922,8 +5945,8 @@
         </p:blipFill>
         <p:spPr>
           <a:xfrm>
-            <a:off x="378284" y="2274903"/>
-            <a:ext cx="4193716" cy="3211773"/>
+            <a:off x="5019330" y="1550844"/>
+            <a:ext cx="3949206" cy="4714405"/>
           </a:xfrm>
           <a:prstGeom prst="rect">
             <a:avLst/>
@@ -5932,10 +5955,10 @@
       </p:pic>
       <p:pic>
         <p:nvPicPr>
-          <p:cNvPr id="6" name="Picture 5">
+          <p:cNvPr id="7" name="Picture 6">
             <a:extLst>
               <a:ext uri="{FF2B5EF4-FFF2-40B4-BE49-F238E27FC236}">
-                <a16:creationId xmlns:a16="http://schemas.microsoft.com/office/drawing/2014/main" id="{6E2E5D25-BBDA-4590-9D53-38E99E6BCC23}"/>
+                <a16:creationId xmlns:a16="http://schemas.microsoft.com/office/drawing/2014/main" xmlns="" id="{C52FC8A3-B953-4E75-A84E-C91F8CC16072}"/>
               </a:ext>
             </a:extLst>
           </p:cNvPr>
@@ -5952,8 +5975,8 @@
         </p:blipFill>
         <p:spPr>
           <a:xfrm>
-            <a:off x="4640897" y="2274903"/>
-            <a:ext cx="4159001" cy="3279863"/>
+            <a:off x="175464" y="1565592"/>
+            <a:ext cx="4712730" cy="4699657"/>
           </a:xfrm>
           <a:prstGeom prst="rect">
             <a:avLst/>
@@ -5963,7 +5986,7 @@
     </p:spTree>
     <p:extLst>
       <p:ext uri="{BB962C8B-B14F-4D97-AF65-F5344CB8AC3E}">
-        <p14:creationId xmlns:p14="http://schemas.microsoft.com/office/powerpoint/2010/main" val="1431376286"/>
+        <p14:creationId xmlns:p14="http://schemas.microsoft.com/office/powerpoint/2010/main" val="1695355604"/>
       </p:ext>
     </p:extLst>
   </p:cSld>
@@ -6015,7 +6038,19 @@
           <a:p>
             <a:r>
               <a:rPr lang="en-US" dirty="0"/>
-              <a:t>Backward Reduced Model#2 Regression</a:t>
+              <a:t>Backward </a:t>
+            </a:r>
+            <a:r>
+              <a:rPr lang="en-US" dirty="0" smtClean="0"/>
+              <a:t>Elimination</a:t>
+            </a:r>
+            <a:r>
+              <a:rPr lang="en-US" dirty="0" smtClean="0"/>
+              <a:t> </a:t>
+            </a:r>
+            <a:r>
+              <a:rPr lang="en-US" dirty="0"/>
+              <a:t>Regression</a:t>
             </a:r>
           </a:p>
         </p:txBody>
@@ -6048,7 +6083,7 @@
           <p:cNvPr id="6" name="Picture 5">
             <a:extLst>
               <a:ext uri="{FF2B5EF4-FFF2-40B4-BE49-F238E27FC236}">
-                <a16:creationId xmlns:a16="http://schemas.microsoft.com/office/drawing/2014/main" id="{94187387-496A-4E33-9976-282EBBA00173}"/>
+                <a16:creationId xmlns:a16="http://schemas.microsoft.com/office/drawing/2014/main" xmlns="" id="{94187387-496A-4E33-9976-282EBBA00173}"/>
               </a:ext>
             </a:extLst>
           </p:cNvPr>
@@ -6127,9 +6162,10 @@
           <a:lstStyle/>
           <a:p>
             <a:r>
-              <a:rPr lang="en-US" dirty="0"/>
-              <a:t>Coefficients</a:t>
-            </a:r>
+              <a:rPr lang="en-US" dirty="0" smtClean="0"/>
+              <a:t>Coefficients For Backward Elimination</a:t>
+            </a:r>
+            <a:endParaRPr lang="en-US" dirty="0"/>
           </a:p>
         </p:txBody>
       </p:sp>
@@ -6161,7 +6197,7 @@
           <p:cNvPr id="5" name="Picture 4">
             <a:extLst>
               <a:ext uri="{FF2B5EF4-FFF2-40B4-BE49-F238E27FC236}">
-                <a16:creationId xmlns:a16="http://schemas.microsoft.com/office/drawing/2014/main" id="{E5B13E9B-495B-4E3A-B337-35A9A6E1E61E}"/>
+                <a16:creationId xmlns:a16="http://schemas.microsoft.com/office/drawing/2014/main" xmlns="" id="{E5B13E9B-495B-4E3A-B337-35A9A6E1E61E}"/>
               </a:ext>
             </a:extLst>
           </p:cNvPr>
@@ -6191,7 +6227,7 @@
           <p:cNvPr id="6" name="Picture 5">
             <a:extLst>
               <a:ext uri="{FF2B5EF4-FFF2-40B4-BE49-F238E27FC236}">
-                <a16:creationId xmlns:a16="http://schemas.microsoft.com/office/drawing/2014/main" id="{3F7B44F8-0515-439E-9AD9-1C94DFDEEAA9}"/>
+                <a16:creationId xmlns:a16="http://schemas.microsoft.com/office/drawing/2014/main" xmlns="" id="{3F7B44F8-0515-439E-9AD9-1C94DFDEEAA9}"/>
               </a:ext>
             </a:extLst>
           </p:cNvPr>
@@ -6259,7 +6295,7 @@
           <p:cNvPr id="2" name="Title 1">
             <a:extLst>
               <a:ext uri="{FF2B5EF4-FFF2-40B4-BE49-F238E27FC236}">
-                <a16:creationId xmlns:a16="http://schemas.microsoft.com/office/drawing/2014/main" id="{D2DF04D8-3233-4516-A1F8-37E8FDCBD220}"/>
+                <a16:creationId xmlns:a16="http://schemas.microsoft.com/office/drawing/2014/main" xmlns="" id="{D2DF04D8-3233-4516-A1F8-37E8FDCBD220}"/>
               </a:ext>
             </a:extLst>
           </p:cNvPr>
@@ -6272,21 +6308,32 @@
         </p:nvSpPr>
         <p:spPr/>
         <p:txBody>
-          <a:bodyPr/>
+          <a:bodyPr>
+            <a:normAutofit/>
+          </a:bodyPr>
           <a:lstStyle/>
           <a:p>
             <a:r>
               <a:rPr lang="en-US" dirty="0"/>
-              <a:t>Check overall effect using </a:t>
-            </a:r>
-            <a:r>
-              <a:rPr lang="en-US" dirty="0" err="1"/>
-              <a:t>aod</a:t>
-            </a:r>
-            <a:r>
-              <a:rPr lang="en-US" dirty="0"/>
-              <a:t> library</a:t>
-            </a:r>
+              <a:t>Check overall effect </a:t>
+            </a:r>
+            <a:r>
+              <a:rPr lang="en-US" dirty="0" smtClean="0"/>
+              <a:t>Of </a:t>
+            </a:r>
+            <a:r>
+              <a:rPr lang="en-US" dirty="0" err="1" smtClean="0"/>
+              <a:t>JobRole</a:t>
+            </a:r>
+            <a:r>
+              <a:rPr lang="en-US" dirty="0" smtClean="0"/>
+              <a:t> and </a:t>
+            </a:r>
+            <a:r>
+              <a:rPr lang="en-US" dirty="0" smtClean="0"/>
+              <a:t>Education Field</a:t>
+            </a:r>
+            <a:endParaRPr lang="en-US" dirty="0"/>
           </a:p>
         </p:txBody>
       </p:sp>
@@ -6295,7 +6342,7 @@
           <p:cNvPr id="4" name="Slide Number Placeholder 3">
             <a:extLst>
               <a:ext uri="{FF2B5EF4-FFF2-40B4-BE49-F238E27FC236}">
-                <a16:creationId xmlns:a16="http://schemas.microsoft.com/office/drawing/2014/main" id="{D445F6C0-644C-4AA7-8CAE-A51ECBDA32DD}"/>
+                <a16:creationId xmlns:a16="http://schemas.microsoft.com/office/drawing/2014/main" xmlns="" id="{D445F6C0-644C-4AA7-8CAE-A51ECBDA32DD}"/>
               </a:ext>
             </a:extLst>
           </p:cNvPr>
@@ -6325,7 +6372,7 @@
           <p:cNvPr id="5" name="Picture 4">
             <a:extLst>
               <a:ext uri="{FF2B5EF4-FFF2-40B4-BE49-F238E27FC236}">
-                <a16:creationId xmlns:a16="http://schemas.microsoft.com/office/drawing/2014/main" id="{A65F0FE7-5EFD-4243-A68E-8F8421989C5C}"/>
+                <a16:creationId xmlns:a16="http://schemas.microsoft.com/office/drawing/2014/main" xmlns="" id="{A65F0FE7-5EFD-4243-A68E-8F8421989C5C}"/>
               </a:ext>
             </a:extLst>
           </p:cNvPr>
@@ -6393,7 +6440,7 @@
           <p:cNvPr id="2" name="Title 1">
             <a:extLst>
               <a:ext uri="{FF2B5EF4-FFF2-40B4-BE49-F238E27FC236}">
-                <a16:creationId xmlns:a16="http://schemas.microsoft.com/office/drawing/2014/main" id="{63F69F7B-C24B-49A3-ACA5-10D3F7D0EC47}"/>
+                <a16:creationId xmlns:a16="http://schemas.microsoft.com/office/drawing/2014/main" xmlns="" id="{63F69F7B-C24B-49A3-ACA5-10D3F7D0EC47}"/>
               </a:ext>
             </a:extLst>
           </p:cNvPr>
@@ -6411,8 +6458,13 @@
           <a:p>
             <a:r>
               <a:rPr lang="en-US" dirty="0"/>
-              <a:t>VIFs of the model #2</a:t>
-            </a:r>
+              <a:t>VIFs </a:t>
+            </a:r>
+            <a:r>
+              <a:rPr lang="en-US" dirty="0" smtClean="0"/>
+              <a:t>For Backward Elimination</a:t>
+            </a:r>
+            <a:endParaRPr lang="en-US" dirty="0"/>
           </a:p>
         </p:txBody>
       </p:sp>
@@ -6421,7 +6473,7 @@
           <p:cNvPr id="4" name="Slide Number Placeholder 3">
             <a:extLst>
               <a:ext uri="{FF2B5EF4-FFF2-40B4-BE49-F238E27FC236}">
-                <a16:creationId xmlns:a16="http://schemas.microsoft.com/office/drawing/2014/main" id="{851B356C-5D41-4AE1-B87F-D9F64C0254D3}"/>
+                <a16:creationId xmlns:a16="http://schemas.microsoft.com/office/drawing/2014/main" xmlns="" id="{851B356C-5D41-4AE1-B87F-D9F64C0254D3}"/>
               </a:ext>
             </a:extLst>
           </p:cNvPr>
@@ -6451,7 +6503,7 @@
           <p:cNvPr id="5" name="Picture 4">
             <a:extLst>
               <a:ext uri="{FF2B5EF4-FFF2-40B4-BE49-F238E27FC236}">
-                <a16:creationId xmlns:a16="http://schemas.microsoft.com/office/drawing/2014/main" id="{22EB2C25-B289-419C-B1C0-C67027535803}"/>
+                <a16:creationId xmlns:a16="http://schemas.microsoft.com/office/drawing/2014/main" xmlns="" id="{22EB2C25-B289-419C-B1C0-C67027535803}"/>
               </a:ext>
             </a:extLst>
           </p:cNvPr>
@@ -6516,13 +6568,7 @@
       </p:grpSpPr>
       <p:sp>
         <p:nvSpPr>
-          <p:cNvPr id="2" name="Title 1">
-            <a:extLst>
-              <a:ext uri="{FF2B5EF4-FFF2-40B4-BE49-F238E27FC236}">
-                <a16:creationId xmlns:a16="http://schemas.microsoft.com/office/drawing/2014/main" id="{F671E4CC-E3B3-4B6A-ABB0-88D976BF86DD}"/>
-              </a:ext>
-            </a:extLst>
-          </p:cNvPr>
+          <p:cNvPr id="2" name="Title 1"/>
           <p:cNvSpPr>
             <a:spLocks noGrp="1"/>
           </p:cNvSpPr>
@@ -6537,20 +6583,14 @@
           <a:p>
             <a:r>
               <a:rPr lang="en-US" dirty="0"/>
-              <a:t>Visual Inspection of model #2</a:t>
-            </a:r>
-          </a:p>
-        </p:txBody>
-      </p:sp>
-      <p:sp>
-        <p:nvSpPr>
-          <p:cNvPr id="4" name="Slide Number Placeholder 3">
-            <a:extLst>
-              <a:ext uri="{FF2B5EF4-FFF2-40B4-BE49-F238E27FC236}">
-                <a16:creationId xmlns:a16="http://schemas.microsoft.com/office/drawing/2014/main" id="{C75131EE-B8AE-4F83-81CB-B39D9743C6B5}"/>
-              </a:ext>
-            </a:extLst>
-          </p:cNvPr>
+              <a:t>Forward Selection</a:t>
+            </a:r>
+          </a:p>
+        </p:txBody>
+      </p:sp>
+      <p:sp>
+        <p:nvSpPr>
+          <p:cNvPr id="4" name="Slide Number Placeholder 3"/>
           <p:cNvSpPr>
             <a:spLocks noGrp="1"/>
           </p:cNvSpPr>
@@ -6565,7 +6605,6 @@
           <a:p>
             <a:fld id="{38327683-8978-6B4B-9130-4A6A841F0549}" type="slidenum">
               <a:rPr lang="en-US" smtClean="0"/>
-              <a:pPr/>
               <a:t>29</a:t>
             </a:fld>
             <a:endParaRPr lang="en-US" dirty="0"/>
@@ -6574,10 +6613,10 @@
       </p:sp>
       <p:pic>
         <p:nvPicPr>
-          <p:cNvPr id="6" name="Picture 5">
+          <p:cNvPr id="5" name="Picture 4">
             <a:extLst>
               <a:ext uri="{FF2B5EF4-FFF2-40B4-BE49-F238E27FC236}">
-                <a16:creationId xmlns:a16="http://schemas.microsoft.com/office/drawing/2014/main" id="{EAB7A5A3-217D-44B7-8B15-2E287114D567}"/>
+                <a16:creationId xmlns:a16="http://schemas.microsoft.com/office/drawing/2014/main" xmlns="" id="{9EE88F18-DDB2-4868-9F17-A6ADDED73E6D}"/>
               </a:ext>
             </a:extLst>
           </p:cNvPr>
@@ -6594,18 +6633,174 @@
         </p:blipFill>
         <p:spPr>
           <a:xfrm>
-            <a:off x="1268603" y="1552879"/>
-            <a:ext cx="6401693" cy="4572638"/>
+            <a:off x="1880075" y="1579233"/>
+            <a:ext cx="6036045" cy="4777118"/>
           </a:xfrm>
           <a:prstGeom prst="rect">
             <a:avLst/>
           </a:prstGeom>
         </p:spPr>
       </p:pic>
+      <p:sp>
+        <p:nvSpPr>
+          <p:cNvPr id="6" name="Arrow: Right 5">
+            <a:extLst>
+              <a:ext uri="{FF2B5EF4-FFF2-40B4-BE49-F238E27FC236}">
+                <a16:creationId xmlns:a16="http://schemas.microsoft.com/office/drawing/2014/main" xmlns="" id="{D3AB38C5-C53B-45EC-BF20-EC993E4E7B4C}"/>
+              </a:ext>
+            </a:extLst>
+          </p:cNvPr>
+          <p:cNvSpPr/>
+          <p:nvPr/>
+        </p:nvSpPr>
+        <p:spPr>
+          <a:xfrm rot="10800000">
+            <a:off x="4342320" y="3676436"/>
+            <a:ext cx="459360" cy="187641"/>
+          </a:xfrm>
+          <a:prstGeom prst="rightArrow">
+            <a:avLst>
+              <a:gd name="adj1" fmla="val 50000"/>
+              <a:gd name="adj2" fmla="val 55062"/>
+            </a:avLst>
+          </a:prstGeom>
+        </p:spPr>
+        <p:style>
+          <a:lnRef idx="2">
+            <a:schemeClr val="accent1">
+              <a:shade val="50000"/>
+            </a:schemeClr>
+          </a:lnRef>
+          <a:fillRef idx="1">
+            <a:schemeClr val="accent1"/>
+          </a:fillRef>
+          <a:effectRef idx="0">
+            <a:schemeClr val="accent1"/>
+          </a:effectRef>
+          <a:fontRef idx="minor">
+            <a:schemeClr val="lt1"/>
+          </a:fontRef>
+        </p:style>
+        <p:txBody>
+          <a:bodyPr rtlCol="0" anchor="ctr"/>
+          <a:lstStyle/>
+          <a:p>
+            <a:pPr algn="ctr"/>
+            <a:endParaRPr lang="en-US"/>
+          </a:p>
+        </p:txBody>
+      </p:sp>
+      <p:sp>
+        <p:nvSpPr>
+          <p:cNvPr id="7" name="Arrow: Right 6">
+            <a:extLst>
+              <a:ext uri="{FF2B5EF4-FFF2-40B4-BE49-F238E27FC236}">
+                <a16:creationId xmlns:a16="http://schemas.microsoft.com/office/drawing/2014/main" xmlns="" id="{A07E458E-D1E7-4A4A-A64B-B220C9D3AFB6}"/>
+              </a:ext>
+            </a:extLst>
+          </p:cNvPr>
+          <p:cNvSpPr/>
+          <p:nvPr/>
+        </p:nvSpPr>
+        <p:spPr>
+          <a:xfrm rot="10800000">
+            <a:off x="4342320" y="3952820"/>
+            <a:ext cx="459360" cy="187641"/>
+          </a:xfrm>
+          <a:prstGeom prst="rightArrow">
+            <a:avLst>
+              <a:gd name="adj1" fmla="val 50000"/>
+              <a:gd name="adj2" fmla="val 55062"/>
+            </a:avLst>
+          </a:prstGeom>
+        </p:spPr>
+        <p:style>
+          <a:lnRef idx="2">
+            <a:schemeClr val="accent1">
+              <a:shade val="50000"/>
+            </a:schemeClr>
+          </a:lnRef>
+          <a:fillRef idx="1">
+            <a:schemeClr val="accent1"/>
+          </a:fillRef>
+          <a:effectRef idx="0">
+            <a:schemeClr val="accent1"/>
+          </a:effectRef>
+          <a:fontRef idx="minor">
+            <a:schemeClr val="lt1"/>
+          </a:fontRef>
+        </p:style>
+        <p:txBody>
+          <a:bodyPr rtlCol="0" anchor="ctr"/>
+          <a:lstStyle/>
+          <a:p>
+            <a:pPr algn="ctr"/>
+            <a:endParaRPr lang="en-US"/>
+          </a:p>
+        </p:txBody>
+      </p:sp>
+      <p:sp>
+        <p:nvSpPr>
+          <p:cNvPr id="8" name="Rectangle 7">
+            <a:extLst>
+              <a:ext uri="{FF2B5EF4-FFF2-40B4-BE49-F238E27FC236}">
+                <a16:creationId xmlns:a16="http://schemas.microsoft.com/office/drawing/2014/main" xmlns="" id="{1412B516-22FB-4AFA-B70C-6A6969023FC5}"/>
+              </a:ext>
+            </a:extLst>
+          </p:cNvPr>
+          <p:cNvSpPr/>
+          <p:nvPr/>
+        </p:nvSpPr>
+        <p:spPr>
+          <a:xfrm>
+            <a:off x="5200109" y="3584976"/>
+            <a:ext cx="2515681" cy="923330"/>
+          </a:xfrm>
+          <a:prstGeom prst="rect">
+            <a:avLst/>
+          </a:prstGeom>
+        </p:spPr>
+        <p:txBody>
+          <a:bodyPr wrap="square">
+            <a:spAutoFit/>
+          </a:bodyPr>
+          <a:lstStyle/>
+          <a:p>
+            <a:r>
+              <a:rPr lang="en-US" dirty="0"/>
+              <a:t>Removing </a:t>
+            </a:r>
+            <a:r>
+              <a:rPr lang="en-US" dirty="0" err="1"/>
+              <a:t>JobLevel</a:t>
+            </a:r>
+            <a:r>
+              <a:rPr lang="en-US" dirty="0"/>
+              <a:t> since </a:t>
+            </a:r>
+            <a:r>
+              <a:rPr lang="en-US" dirty="0" err="1"/>
+              <a:t>JobRole</a:t>
+            </a:r>
+            <a:r>
+              <a:rPr lang="en-US" dirty="0"/>
+              <a:t> and </a:t>
+            </a:r>
+            <a:r>
+              <a:rPr lang="en-US" dirty="0" err="1"/>
+              <a:t>JobLevel</a:t>
+            </a:r>
+            <a:r>
+              <a:rPr lang="en-US" dirty="0"/>
+              <a:t> are highly correlated</a:t>
+            </a:r>
+          </a:p>
+        </p:txBody>
+      </p:sp>
     </p:spTree>
     <p:extLst>
       <p:ext uri="{BB962C8B-B14F-4D97-AF65-F5344CB8AC3E}">
-        <p14:creationId xmlns:p14="http://schemas.microsoft.com/office/powerpoint/2010/main" val="265720253"/>
+        <p14:creationId xmlns:p14="http://schemas.microsoft.com/office/powerpoint/2010/main" val="1643598145"/>
       </p:ext>
     </p:extLst>
   </p:cSld>
@@ -6758,7 +6953,13 @@
       </p:grpSpPr>
       <p:sp>
         <p:nvSpPr>
-          <p:cNvPr id="2" name="Title 1"/>
+          <p:cNvPr id="2" name="Title 1">
+            <a:extLst>
+              <a:ext uri="{FF2B5EF4-FFF2-40B4-BE49-F238E27FC236}">
+                <a16:creationId xmlns:a16="http://schemas.microsoft.com/office/drawing/2014/main" xmlns="" id="{C5D36AD1-E9E4-4A0A-BEED-BB08C79C099A}"/>
+              </a:ext>
+            </a:extLst>
+          </p:cNvPr>
           <p:cNvSpPr>
             <a:spLocks noGrp="1"/>
           </p:cNvSpPr>
@@ -6773,14 +6974,20 @@
           <a:p>
             <a:r>
               <a:rPr lang="en-US" dirty="0"/>
-              <a:t>Forward Selection</a:t>
-            </a:r>
-          </a:p>
-        </p:txBody>
-      </p:sp>
-      <p:sp>
-        <p:nvSpPr>
-          <p:cNvPr id="4" name="Slide Number Placeholder 3"/>
+              <a:t>Stepwise selection</a:t>
+            </a:r>
+          </a:p>
+        </p:txBody>
+      </p:sp>
+      <p:sp>
+        <p:nvSpPr>
+          <p:cNvPr id="4" name="Slide Number Placeholder 3">
+            <a:extLst>
+              <a:ext uri="{FF2B5EF4-FFF2-40B4-BE49-F238E27FC236}">
+                <a16:creationId xmlns:a16="http://schemas.microsoft.com/office/drawing/2014/main" xmlns="" id="{F1DF75B2-4C0D-48AA-B72F-65242DD5ACEB}"/>
+              </a:ext>
+            </a:extLst>
+          </p:cNvPr>
           <p:cNvSpPr>
             <a:spLocks noGrp="1"/>
           </p:cNvSpPr>
@@ -6795,6 +7002,7 @@
           <a:p>
             <a:fld id="{38327683-8978-6B4B-9130-4A6A841F0549}" type="slidenum">
               <a:rPr lang="en-US" smtClean="0"/>
+              <a:pPr/>
               <a:t>30</a:t>
             </a:fld>
             <a:endParaRPr lang="en-US" dirty="0"/>
@@ -6803,10 +7011,10 @@
       </p:sp>
       <p:pic>
         <p:nvPicPr>
-          <p:cNvPr id="5" name="Picture 4">
+          <p:cNvPr id="6" name="Picture 5">
             <a:extLst>
               <a:ext uri="{FF2B5EF4-FFF2-40B4-BE49-F238E27FC236}">
-                <a16:creationId xmlns:a16="http://schemas.microsoft.com/office/drawing/2014/main" id="{9EE88F18-DDB2-4868-9F17-A6ADDED73E6D}"/>
+                <a16:creationId xmlns:a16="http://schemas.microsoft.com/office/drawing/2014/main" xmlns="" id="{A7B338B7-DDF3-4DEA-86F5-FF8756A044D5}"/>
               </a:ext>
             </a:extLst>
           </p:cNvPr>
@@ -6823,20 +7031,50 @@
         </p:blipFill>
         <p:spPr>
           <a:xfrm>
-            <a:off x="1880075" y="1579233"/>
-            <a:ext cx="6036045" cy="4777118"/>
+            <a:off x="1273679" y="1488347"/>
+            <a:ext cx="6477000" cy="1095375"/>
           </a:xfrm>
           <a:prstGeom prst="rect">
             <a:avLst/>
           </a:prstGeom>
         </p:spPr>
       </p:pic>
-      <p:sp>
-        <p:nvSpPr>
-          <p:cNvPr id="6" name="Arrow: Right 5">
+      <p:pic>
+        <p:nvPicPr>
+          <p:cNvPr id="7" name="Picture 6">
             <a:extLst>
               <a:ext uri="{FF2B5EF4-FFF2-40B4-BE49-F238E27FC236}">
-                <a16:creationId xmlns:a16="http://schemas.microsoft.com/office/drawing/2014/main" id="{D3AB38C5-C53B-45EC-BF20-EC993E4E7B4C}"/>
+                <a16:creationId xmlns:a16="http://schemas.microsoft.com/office/drawing/2014/main" xmlns="" id="{FF62943E-EDA6-47C0-BAD5-A536F26843E2}"/>
+              </a:ext>
+            </a:extLst>
+          </p:cNvPr>
+          <p:cNvPicPr>
+            <a:picLocks noChangeAspect="1"/>
+          </p:cNvPicPr>
+          <p:nvPr/>
+        </p:nvPicPr>
+        <p:blipFill>
+          <a:blip r:embed="rId3"/>
+          <a:stretch>
+            <a:fillRect/>
+          </a:stretch>
+        </p:blipFill>
+        <p:spPr>
+          <a:xfrm>
+            <a:off x="1273679" y="2639648"/>
+            <a:ext cx="3535120" cy="3660776"/>
+          </a:xfrm>
+          <a:prstGeom prst="rect">
+            <a:avLst/>
+          </a:prstGeom>
+        </p:spPr>
+      </p:pic>
+      <p:sp>
+        <p:nvSpPr>
+          <p:cNvPr id="8" name="Arrow: Right 7">
+            <a:extLst>
+              <a:ext uri="{FF2B5EF4-FFF2-40B4-BE49-F238E27FC236}">
+                <a16:creationId xmlns:a16="http://schemas.microsoft.com/office/drawing/2014/main" xmlns="" id="{9769F50E-E2F8-4285-AE95-E9284F1EB50D}"/>
               </a:ext>
             </a:extLst>
           </p:cNvPr>
@@ -6845,7 +7083,7 @@
         </p:nvSpPr>
         <p:spPr>
           <a:xfrm rot="10800000">
-            <a:off x="4342320" y="3676436"/>
+            <a:off x="4275952" y="3032208"/>
             <a:ext cx="459360" cy="187641"/>
           </a:xfrm>
           <a:prstGeom prst="rightArrow">
@@ -6882,10 +7120,10 @@
       </p:sp>
       <p:sp>
         <p:nvSpPr>
-          <p:cNvPr id="7" name="Arrow: Right 6">
+          <p:cNvPr id="9" name="Arrow: Right 8">
             <a:extLst>
               <a:ext uri="{FF2B5EF4-FFF2-40B4-BE49-F238E27FC236}">
-                <a16:creationId xmlns:a16="http://schemas.microsoft.com/office/drawing/2014/main" id="{A07E458E-D1E7-4A4A-A64B-B220C9D3AFB6}"/>
+                <a16:creationId xmlns:a16="http://schemas.microsoft.com/office/drawing/2014/main" xmlns="" id="{CB970237-4D33-465D-A024-2CF3C85AEBF7}"/>
               </a:ext>
             </a:extLst>
           </p:cNvPr>
@@ -6894,7 +7132,7 @@
         </p:nvSpPr>
         <p:spPr>
           <a:xfrm rot="10800000">
-            <a:off x="4342320" y="3952820"/>
+            <a:off x="4275952" y="3308592"/>
             <a:ext cx="459360" cy="187641"/>
           </a:xfrm>
           <a:prstGeom prst="rightArrow">
@@ -6931,10 +7169,10 @@
       </p:sp>
       <p:sp>
         <p:nvSpPr>
-          <p:cNvPr id="8" name="Rectangle 7">
+          <p:cNvPr id="10" name="Rectangle 9">
             <a:extLst>
               <a:ext uri="{FF2B5EF4-FFF2-40B4-BE49-F238E27FC236}">
-                <a16:creationId xmlns:a16="http://schemas.microsoft.com/office/drawing/2014/main" id="{1412B516-22FB-4AFA-B70C-6A6969023FC5}"/>
+                <a16:creationId xmlns:a16="http://schemas.microsoft.com/office/drawing/2014/main" xmlns="" id="{94652B0C-33C2-4A34-BEA4-D81DF5671040}"/>
               </a:ext>
             </a:extLst>
           </p:cNvPr>
@@ -6943,7 +7181,7 @@
         </p:nvSpPr>
         <p:spPr>
           <a:xfrm>
-            <a:off x="5200109" y="3584976"/>
+            <a:off x="5133741" y="2940748"/>
             <a:ext cx="2515681" cy="923330"/>
           </a:xfrm>
           <a:prstGeom prst="rect">
@@ -6990,7 +7228,7 @@
     </p:spTree>
     <p:extLst>
       <p:ext uri="{BB962C8B-B14F-4D97-AF65-F5344CB8AC3E}">
-        <p14:creationId xmlns:p14="http://schemas.microsoft.com/office/powerpoint/2010/main" val="1643598145"/>
+        <p14:creationId xmlns:p14="http://schemas.microsoft.com/office/powerpoint/2010/main" val="2760957041"/>
       </p:ext>
     </p:extLst>
   </p:cSld>
@@ -7027,13 +7265,7 @@
       </p:grpSpPr>
       <p:sp>
         <p:nvSpPr>
-          <p:cNvPr id="2" name="Title 1">
-            <a:extLst>
-              <a:ext uri="{FF2B5EF4-FFF2-40B4-BE49-F238E27FC236}">
-                <a16:creationId xmlns:a16="http://schemas.microsoft.com/office/drawing/2014/main" id="{C5D36AD1-E9E4-4A0A-BEED-BB08C79C099A}"/>
-              </a:ext>
-            </a:extLst>
-          </p:cNvPr>
+          <p:cNvPr id="2" name="Title 1"/>
           <p:cNvSpPr>
             <a:spLocks noGrp="1"/>
           </p:cNvSpPr>
@@ -7047,21 +7279,51 @@
           <a:lstStyle/>
           <a:p>
             <a:r>
-              <a:rPr lang="en-US" dirty="0"/>
-              <a:t>Stepwise selection</a:t>
-            </a:r>
-          </a:p>
-        </p:txBody>
-      </p:sp>
-      <p:sp>
-        <p:nvSpPr>
-          <p:cNvPr id="4" name="Slide Number Placeholder 3">
-            <a:extLst>
-              <a:ext uri="{FF2B5EF4-FFF2-40B4-BE49-F238E27FC236}">
-                <a16:creationId xmlns:a16="http://schemas.microsoft.com/office/drawing/2014/main" id="{F1DF75B2-4C0D-48AA-B72F-65242DD5ACEB}"/>
-              </a:ext>
-            </a:extLst>
-          </p:cNvPr>
+              <a:rPr lang="en-US" dirty="0" smtClean="0"/>
+              <a:t>Deviance For All Three Models (Forward, Backward, Stepwise)</a:t>
+            </a:r>
+            <a:endParaRPr lang="en-US" dirty="0"/>
+          </a:p>
+        </p:txBody>
+      </p:sp>
+      <p:sp>
+        <p:nvSpPr>
+          <p:cNvPr id="3" name="Content Placeholder 2"/>
+          <p:cNvSpPr>
+            <a:spLocks noGrp="1"/>
+          </p:cNvSpPr>
+          <p:nvPr>
+            <p:ph idx="1"/>
+          </p:nvPr>
+        </p:nvSpPr>
+        <p:spPr/>
+        <p:txBody>
+          <a:bodyPr/>
+          <a:lstStyle/>
+          <a:p>
+            <a:r>
+              <a:rPr lang="en-US" dirty="0" smtClean="0"/>
+              <a:t>Forward – 777.94</a:t>
+            </a:r>
+          </a:p>
+          <a:p>
+            <a:r>
+              <a:rPr lang="en-US" dirty="0" smtClean="0"/>
+              <a:t>Backward – 777.94</a:t>
+            </a:r>
+          </a:p>
+          <a:p>
+            <a:r>
+              <a:rPr lang="en-US" dirty="0" smtClean="0"/>
+              <a:t>Stepwise – 777.94</a:t>
+            </a:r>
+            <a:endParaRPr lang="en-US" dirty="0"/>
+          </a:p>
+        </p:txBody>
+      </p:sp>
+      <p:sp>
+        <p:nvSpPr>
+          <p:cNvPr id="4" name="Slide Number Placeholder 3"/>
           <p:cNvSpPr>
             <a:spLocks noGrp="1"/>
           </p:cNvSpPr>
@@ -7083,226 +7345,10 @@
           </a:p>
         </p:txBody>
       </p:sp>
-      <p:pic>
-        <p:nvPicPr>
-          <p:cNvPr id="6" name="Picture 5">
-            <a:extLst>
-              <a:ext uri="{FF2B5EF4-FFF2-40B4-BE49-F238E27FC236}">
-                <a16:creationId xmlns:a16="http://schemas.microsoft.com/office/drawing/2014/main" id="{A7B338B7-DDF3-4DEA-86F5-FF8756A044D5}"/>
-              </a:ext>
-            </a:extLst>
-          </p:cNvPr>
-          <p:cNvPicPr>
-            <a:picLocks noChangeAspect="1"/>
-          </p:cNvPicPr>
-          <p:nvPr/>
-        </p:nvPicPr>
-        <p:blipFill>
-          <a:blip r:embed="rId2"/>
-          <a:stretch>
-            <a:fillRect/>
-          </a:stretch>
-        </p:blipFill>
-        <p:spPr>
-          <a:xfrm>
-            <a:off x="1273679" y="1488347"/>
-            <a:ext cx="6477000" cy="1095375"/>
-          </a:xfrm>
-          <a:prstGeom prst="rect">
-            <a:avLst/>
-          </a:prstGeom>
-        </p:spPr>
-      </p:pic>
-      <p:pic>
-        <p:nvPicPr>
-          <p:cNvPr id="7" name="Picture 6">
-            <a:extLst>
-              <a:ext uri="{FF2B5EF4-FFF2-40B4-BE49-F238E27FC236}">
-                <a16:creationId xmlns:a16="http://schemas.microsoft.com/office/drawing/2014/main" id="{FF62943E-EDA6-47C0-BAD5-A536F26843E2}"/>
-              </a:ext>
-            </a:extLst>
-          </p:cNvPr>
-          <p:cNvPicPr>
-            <a:picLocks noChangeAspect="1"/>
-          </p:cNvPicPr>
-          <p:nvPr/>
-        </p:nvPicPr>
-        <p:blipFill>
-          <a:blip r:embed="rId3"/>
-          <a:stretch>
-            <a:fillRect/>
-          </a:stretch>
-        </p:blipFill>
-        <p:spPr>
-          <a:xfrm>
-            <a:off x="1273679" y="2639648"/>
-            <a:ext cx="3535120" cy="3660776"/>
-          </a:xfrm>
-          <a:prstGeom prst="rect">
-            <a:avLst/>
-          </a:prstGeom>
-        </p:spPr>
-      </p:pic>
-      <p:sp>
-        <p:nvSpPr>
-          <p:cNvPr id="8" name="Arrow: Right 7">
-            <a:extLst>
-              <a:ext uri="{FF2B5EF4-FFF2-40B4-BE49-F238E27FC236}">
-                <a16:creationId xmlns:a16="http://schemas.microsoft.com/office/drawing/2014/main" id="{9769F50E-E2F8-4285-AE95-E9284F1EB50D}"/>
-              </a:ext>
-            </a:extLst>
-          </p:cNvPr>
-          <p:cNvSpPr/>
-          <p:nvPr/>
-        </p:nvSpPr>
-        <p:spPr>
-          <a:xfrm rot="10800000">
-            <a:off x="4275952" y="3032208"/>
-            <a:ext cx="459360" cy="187641"/>
-          </a:xfrm>
-          <a:prstGeom prst="rightArrow">
-            <a:avLst>
-              <a:gd name="adj1" fmla="val 50000"/>
-              <a:gd name="adj2" fmla="val 55062"/>
-            </a:avLst>
-          </a:prstGeom>
-        </p:spPr>
-        <p:style>
-          <a:lnRef idx="2">
-            <a:schemeClr val="accent1">
-              <a:shade val="50000"/>
-            </a:schemeClr>
-          </a:lnRef>
-          <a:fillRef idx="1">
-            <a:schemeClr val="accent1"/>
-          </a:fillRef>
-          <a:effectRef idx="0">
-            <a:schemeClr val="accent1"/>
-          </a:effectRef>
-          <a:fontRef idx="minor">
-            <a:schemeClr val="lt1"/>
-          </a:fontRef>
-        </p:style>
-        <p:txBody>
-          <a:bodyPr rtlCol="0" anchor="ctr"/>
-          <a:lstStyle/>
-          <a:p>
-            <a:pPr algn="ctr"/>
-            <a:endParaRPr lang="en-US"/>
-          </a:p>
-        </p:txBody>
-      </p:sp>
-      <p:sp>
-        <p:nvSpPr>
-          <p:cNvPr id="9" name="Arrow: Right 8">
-            <a:extLst>
-              <a:ext uri="{FF2B5EF4-FFF2-40B4-BE49-F238E27FC236}">
-                <a16:creationId xmlns:a16="http://schemas.microsoft.com/office/drawing/2014/main" id="{CB970237-4D33-465D-A024-2CF3C85AEBF7}"/>
-              </a:ext>
-            </a:extLst>
-          </p:cNvPr>
-          <p:cNvSpPr/>
-          <p:nvPr/>
-        </p:nvSpPr>
-        <p:spPr>
-          <a:xfrm rot="10800000">
-            <a:off x="4275952" y="3308592"/>
-            <a:ext cx="459360" cy="187641"/>
-          </a:xfrm>
-          <a:prstGeom prst="rightArrow">
-            <a:avLst>
-              <a:gd name="adj1" fmla="val 50000"/>
-              <a:gd name="adj2" fmla="val 55062"/>
-            </a:avLst>
-          </a:prstGeom>
-        </p:spPr>
-        <p:style>
-          <a:lnRef idx="2">
-            <a:schemeClr val="accent1">
-              <a:shade val="50000"/>
-            </a:schemeClr>
-          </a:lnRef>
-          <a:fillRef idx="1">
-            <a:schemeClr val="accent1"/>
-          </a:fillRef>
-          <a:effectRef idx="0">
-            <a:schemeClr val="accent1"/>
-          </a:effectRef>
-          <a:fontRef idx="minor">
-            <a:schemeClr val="lt1"/>
-          </a:fontRef>
-        </p:style>
-        <p:txBody>
-          <a:bodyPr rtlCol="0" anchor="ctr"/>
-          <a:lstStyle/>
-          <a:p>
-            <a:pPr algn="ctr"/>
-            <a:endParaRPr lang="en-US"/>
-          </a:p>
-        </p:txBody>
-      </p:sp>
-      <p:sp>
-        <p:nvSpPr>
-          <p:cNvPr id="10" name="Rectangle 9">
-            <a:extLst>
-              <a:ext uri="{FF2B5EF4-FFF2-40B4-BE49-F238E27FC236}">
-                <a16:creationId xmlns:a16="http://schemas.microsoft.com/office/drawing/2014/main" id="{94652B0C-33C2-4A34-BEA4-D81DF5671040}"/>
-              </a:ext>
-            </a:extLst>
-          </p:cNvPr>
-          <p:cNvSpPr/>
-          <p:nvPr/>
-        </p:nvSpPr>
-        <p:spPr>
-          <a:xfrm>
-            <a:off x="5133741" y="2940748"/>
-            <a:ext cx="2515681" cy="923330"/>
-          </a:xfrm>
-          <a:prstGeom prst="rect">
-            <a:avLst/>
-          </a:prstGeom>
-        </p:spPr>
-        <p:txBody>
-          <a:bodyPr wrap="square">
-            <a:spAutoFit/>
-          </a:bodyPr>
-          <a:lstStyle/>
-          <a:p>
-            <a:r>
-              <a:rPr lang="en-US" dirty="0"/>
-              <a:t>Removing </a:t>
-            </a:r>
-            <a:r>
-              <a:rPr lang="en-US" dirty="0" err="1"/>
-              <a:t>JobLevel</a:t>
-            </a:r>
-            <a:r>
-              <a:rPr lang="en-US" dirty="0"/>
-              <a:t> since </a:t>
-            </a:r>
-            <a:r>
-              <a:rPr lang="en-US" dirty="0" err="1"/>
-              <a:t>JobRole</a:t>
-            </a:r>
-            <a:r>
-              <a:rPr lang="en-US" dirty="0"/>
-              <a:t> and </a:t>
-            </a:r>
-            <a:r>
-              <a:rPr lang="en-US" dirty="0" err="1"/>
-              <a:t>JobLevel</a:t>
-            </a:r>
-            <a:r>
-              <a:rPr lang="en-US" dirty="0"/>
-              <a:t> are highly correlated</a:t>
-            </a:r>
-          </a:p>
-        </p:txBody>
-      </p:sp>
     </p:spTree>
     <p:extLst>
       <p:ext uri="{BB962C8B-B14F-4D97-AF65-F5344CB8AC3E}">
-        <p14:creationId xmlns:p14="http://schemas.microsoft.com/office/powerpoint/2010/main" val="2760957041"/>
+        <p14:creationId xmlns:p14="http://schemas.microsoft.com/office/powerpoint/2010/main" val="3201782709"/>
       </p:ext>
     </p:extLst>
   </p:cSld>
@@ -7349,13 +7395,20 @@
         </p:nvSpPr>
         <p:spPr/>
         <p:txBody>
-          <a:bodyPr/>
+          <a:bodyPr>
+            <a:normAutofit fontScale="90000"/>
+          </a:bodyPr>
           <a:lstStyle/>
           <a:p>
             <a:r>
               <a:rPr lang="en-US" dirty="0"/>
-              <a:t>Goodness of Fit Test</a:t>
-            </a:r>
+              <a:t>Goodness of Fit </a:t>
+            </a:r>
+            <a:r>
+              <a:rPr lang="en-US" dirty="0" smtClean="0"/>
+              <a:t>Test Between Forward Model and Reduced Null Model and Pseudo R^2</a:t>
+            </a:r>
+            <a:endParaRPr lang="en-US" dirty="0"/>
           </a:p>
         </p:txBody>
       </p:sp>
@@ -7387,7 +7440,7 @@
           <p:cNvPr id="5" name="Picture 4">
             <a:extLst>
               <a:ext uri="{FF2B5EF4-FFF2-40B4-BE49-F238E27FC236}">
-                <a16:creationId xmlns:a16="http://schemas.microsoft.com/office/drawing/2014/main" id="{2626B96D-415A-41B5-BDCE-8C19DA6E2B6C}"/>
+                <a16:creationId xmlns:a16="http://schemas.microsoft.com/office/drawing/2014/main" xmlns="" id="{2626B96D-415A-41B5-BDCE-8C19DA6E2B6C}"/>
               </a:ext>
             </a:extLst>
           </p:cNvPr>
@@ -7462,13 +7515,41 @@
         </p:nvSpPr>
         <p:spPr/>
         <p:txBody>
-          <a:bodyPr/>
-          <a:lstStyle/>
-          <a:p>
-            <a:r>
-              <a:rPr lang="en-US" dirty="0"/>
-              <a:t>Test of individual predictors</a:t>
-            </a:r>
+          <a:bodyPr>
+            <a:normAutofit fontScale="90000"/>
+          </a:bodyPr>
+          <a:lstStyle/>
+          <a:p>
+            <a:r>
+              <a:rPr lang="en-US" dirty="0" smtClean="0"/>
+              <a:t>Accuracy of Prediction for FORWARD Model using Confusion Matrix</a:t>
+            </a:r>
+            <a:endParaRPr lang="en-US" dirty="0"/>
+          </a:p>
+        </p:txBody>
+      </p:sp>
+      <p:sp>
+        <p:nvSpPr>
+          <p:cNvPr id="3" name="Content Placeholder 2"/>
+          <p:cNvSpPr>
+            <a:spLocks noGrp="1"/>
+          </p:cNvSpPr>
+          <p:nvPr>
+            <p:ph idx="1"/>
+          </p:nvPr>
+        </p:nvSpPr>
+        <p:spPr/>
+        <p:txBody>
+          <a:bodyPr/>
+          <a:lstStyle/>
+          <a:p>
+            <a:r>
+              <a:rPr lang="en-US" dirty="0" smtClean="0"/>
+              <a:t>Accuracy of Prediction</a:t>
+            </a:r>
+          </a:p>
+          <a:p>
+            <a:endParaRPr lang="en-US" dirty="0"/>
           </a:p>
         </p:txBody>
       </p:sp>
@@ -7489,6 +7570,7 @@
           <a:p>
             <a:fld id="{38327683-8978-6B4B-9130-4A6A841F0549}" type="slidenum">
               <a:rPr lang="en-US" smtClean="0"/>
+              <a:pPr/>
               <a:t>33</a:t>
             </a:fld>
             <a:endParaRPr lang="en-US" dirty="0"/>
@@ -7497,38 +7579,62 @@
       </p:sp>
       <p:pic>
         <p:nvPicPr>
-          <p:cNvPr id="5" name="Picture 4">
-            <a:extLst>
-              <a:ext uri="{FF2B5EF4-FFF2-40B4-BE49-F238E27FC236}">
-                <a16:creationId xmlns:a16="http://schemas.microsoft.com/office/drawing/2014/main" id="{09B95134-542A-41F1-8348-2DED7ECB1B85}"/>
-              </a:ext>
-            </a:extLst>
-          </p:cNvPr>
+          <p:cNvPr id="3075" name="Picture 3"/>
           <p:cNvPicPr>
-            <a:picLocks noChangeAspect="1"/>
+            <a:picLocks noChangeAspect="1" noChangeArrowheads="1"/>
           </p:cNvPicPr>
           <p:nvPr/>
         </p:nvPicPr>
         <p:blipFill>
-          <a:blip r:embed="rId2"/>
+          <a:blip r:embed="rId2">
+            <a:extLst>
+              <a:ext uri="{28A0092B-C50C-407E-A947-70E740481C1C}">
+                <a14:useLocalDpi xmlns:a14="http://schemas.microsoft.com/office/drawing/2010/main" val="0"/>
+              </a:ext>
+            </a:extLst>
+          </a:blip>
+          <a:srcRect/>
           <a:stretch>
             <a:fillRect/>
           </a:stretch>
         </p:blipFill>
-        <p:spPr>
+        <p:spPr bwMode="auto">
           <a:xfrm>
-            <a:off x="2674579" y="1578128"/>
-            <a:ext cx="4812071" cy="4778223"/>
+            <a:off x="3114675" y="2405063"/>
+            <a:ext cx="3343275" cy="3771900"/>
           </a:xfrm>
           <a:prstGeom prst="rect">
             <a:avLst/>
           </a:prstGeom>
+          <a:noFill/>
+          <a:ln>
+            <a:noFill/>
+          </a:ln>
+          <a:extLst>
+            <a:ext uri="{909E8E84-426E-40DD-AFC4-6F175D3DCCD1}">
+              <a14:hiddenFill xmlns:a14="http://schemas.microsoft.com/office/drawing/2010/main">
+                <a:solidFill>
+                  <a:schemeClr val="accent1"/>
+                </a:solidFill>
+              </a14:hiddenFill>
+            </a:ext>
+            <a:ext uri="{91240B29-F687-4F45-9708-019B960494DF}">
+              <a14:hiddenLine xmlns:a14="http://schemas.microsoft.com/office/drawing/2010/main" w="9525">
+                <a:solidFill>
+                  <a:schemeClr val="tx1"/>
+                </a:solidFill>
+                <a:miter lim="800000"/>
+                <a:headEnd/>
+                <a:tailEnd/>
+              </a14:hiddenLine>
+            </a:ext>
+          </a:extLst>
         </p:spPr>
       </p:pic>
     </p:spTree>
     <p:extLst>
       <p:ext uri="{BB962C8B-B14F-4D97-AF65-F5344CB8AC3E}">
-        <p14:creationId xmlns:p14="http://schemas.microsoft.com/office/powerpoint/2010/main" val="1265965297"/>
+        <p14:creationId xmlns:p14="http://schemas.microsoft.com/office/powerpoint/2010/main" val="2655214669"/>
       </p:ext>
     </p:extLst>
   </p:cSld>
@@ -7579,49 +7685,44 @@
           <a:lstStyle/>
           <a:p>
             <a:r>
-              <a:rPr lang="en-US" dirty="0"/>
-              <a:t>Pearson </a:t>
-            </a:r>
-            <a:r>
-              <a:rPr lang="en-US" dirty="0" err="1"/>
-              <a:t>studentized</a:t>
-            </a:r>
-            <a:r>
-              <a:rPr lang="en-US" dirty="0"/>
-              <a:t> residuals vs Attrition</a:t>
-            </a:r>
-          </a:p>
-        </p:txBody>
-      </p:sp>
-      <p:pic>
-        <p:nvPicPr>
-          <p:cNvPr id="6" name="Content Placeholder 5">
-            <a:extLst>
-              <a:ext uri="{FF2B5EF4-FFF2-40B4-BE49-F238E27FC236}">
-                <a16:creationId xmlns:a16="http://schemas.microsoft.com/office/drawing/2014/main" id="{A69A6BD0-6188-434D-BB1F-35345F99C0D0}"/>
-              </a:ext>
-            </a:extLst>
-          </p:cNvPr>
-          <p:cNvPicPr>
-            <a:picLocks noGrp="1" noChangeAspect="1"/>
-          </p:cNvPicPr>
+              <a:rPr lang="en-US" dirty="0" smtClean="0"/>
+              <a:t>3 Best Predictors Of The Model</a:t>
+            </a:r>
+            <a:endParaRPr lang="en-US" dirty="0"/>
+          </a:p>
+        </p:txBody>
+      </p:sp>
+      <p:sp>
+        <p:nvSpPr>
+          <p:cNvPr id="3" name="Content Placeholder 2"/>
+          <p:cNvSpPr>
+            <a:spLocks noGrp="1"/>
+          </p:cNvSpPr>
           <p:nvPr>
             <p:ph idx="1"/>
           </p:nvPr>
-        </p:nvPicPr>
-        <p:blipFill>
-          <a:blip r:embed="rId2"/>
-          <a:stretch>
-            <a:fillRect/>
-          </a:stretch>
-        </p:blipFill>
-        <p:spPr>
-          <a:xfrm>
-            <a:off x="1526063" y="1825625"/>
-            <a:ext cx="6091873" cy="4351338"/>
-          </a:xfrm>
-        </p:spPr>
-      </p:pic>
+        </p:nvSpPr>
+        <p:spPr/>
+        <p:txBody>
+          <a:bodyPr/>
+          <a:lstStyle/>
+          <a:p>
+            <a:r>
+              <a:rPr lang="en-US" dirty="0" smtClean="0"/>
+              <a:t>3 Best Predictors for the model are </a:t>
+            </a:r>
+            <a:r>
+              <a:rPr lang="en-US" dirty="0" err="1" smtClean="0"/>
+              <a:t>OverTime</a:t>
+            </a:r>
+            <a:r>
+              <a:rPr lang="en-US" dirty="0" smtClean="0"/>
+              <a:t>, Stock Option Level and Number of companies worked.</a:t>
+            </a:r>
+            <a:endParaRPr lang="en-US" dirty="0"/>
+          </a:p>
+        </p:txBody>
+      </p:sp>
       <p:sp>
         <p:nvSpPr>
           <p:cNvPr id="4" name="Slide Number Placeholder 3"/>
@@ -7645,10 +7746,64 @@
           </a:p>
         </p:txBody>
       </p:sp>
+      <p:pic>
+        <p:nvPicPr>
+          <p:cNvPr id="2050" name="Picture 2"/>
+          <p:cNvPicPr>
+            <a:picLocks noChangeAspect="1" noChangeArrowheads="1"/>
+          </p:cNvPicPr>
+          <p:nvPr/>
+        </p:nvPicPr>
+        <p:blipFill>
+          <a:blip r:embed="rId2">
+            <a:extLst>
+              <a:ext uri="{28A0092B-C50C-407E-A947-70E740481C1C}">
+                <a14:useLocalDpi xmlns:a14="http://schemas.microsoft.com/office/drawing/2010/main" val="0"/>
+              </a:ext>
+            </a:extLst>
+          </a:blip>
+          <a:srcRect/>
+          <a:stretch>
+            <a:fillRect/>
+          </a:stretch>
+        </p:blipFill>
+        <p:spPr bwMode="auto">
+          <a:xfrm>
+            <a:off x="2858386" y="3705605"/>
+            <a:ext cx="3686175" cy="1647825"/>
+          </a:xfrm>
+          <a:prstGeom prst="rect">
+            <a:avLst/>
+          </a:prstGeom>
+          <a:noFill/>
+          <a:ln>
+            <a:noFill/>
+          </a:ln>
+          <a:extLst>
+            <a:ext uri="{909E8E84-426E-40DD-AFC4-6F175D3DCCD1}">
+              <a14:hiddenFill xmlns:a14="http://schemas.microsoft.com/office/drawing/2010/main">
+                <a:solidFill>
+                  <a:schemeClr val="accent1"/>
+                </a:solidFill>
+              </a14:hiddenFill>
+            </a:ext>
+            <a:ext uri="{91240B29-F687-4F45-9708-019B960494DF}">
+              <a14:hiddenLine xmlns:a14="http://schemas.microsoft.com/office/drawing/2010/main" w="9525">
+                <a:solidFill>
+                  <a:schemeClr val="tx1"/>
+                </a:solidFill>
+                <a:miter lim="800000"/>
+                <a:headEnd/>
+                <a:tailEnd/>
+              </a14:hiddenLine>
+            </a:ext>
+          </a:extLst>
+        </p:spPr>
+      </p:pic>
     </p:spTree>
     <p:extLst>
       <p:ext uri="{BB962C8B-B14F-4D97-AF65-F5344CB8AC3E}">
-        <p14:creationId xmlns:p14="http://schemas.microsoft.com/office/powerpoint/2010/main" val="1958255850"/>
+        <p14:creationId xmlns:p14="http://schemas.microsoft.com/office/powerpoint/2010/main" val="1265965297"/>
       </p:ext>
     </p:extLst>
   </p:cSld>
@@ -7714,7 +7869,7 @@
           <p:cNvPr id="6" name="Content Placeholder 5">
             <a:extLst>
               <a:ext uri="{FF2B5EF4-FFF2-40B4-BE49-F238E27FC236}">
-                <a16:creationId xmlns:a16="http://schemas.microsoft.com/office/drawing/2014/main" id="{440495A0-62B0-40D0-8077-D9F6F32797DD}"/>
+                <a16:creationId xmlns:a16="http://schemas.microsoft.com/office/drawing/2014/main" xmlns="" id="{440495A0-62B0-40D0-8077-D9F6F32797DD}"/>
               </a:ext>
             </a:extLst>
           </p:cNvPr>
@@ -7826,7 +7981,7 @@
           <p:cNvPr id="6" name="Content Placeholder 5">
             <a:extLst>
               <a:ext uri="{FF2B5EF4-FFF2-40B4-BE49-F238E27FC236}">
-                <a16:creationId xmlns:a16="http://schemas.microsoft.com/office/drawing/2014/main" id="{403B797C-165E-48A3-AFEC-A8BB56CCEDAE}"/>
+                <a16:creationId xmlns:a16="http://schemas.microsoft.com/office/drawing/2014/main" xmlns="" id="{403B797C-165E-48A3-AFEC-A8BB56CCEDAE}"/>
               </a:ext>
             </a:extLst>
           </p:cNvPr>
@@ -7916,7 +8071,7 @@
           <p:cNvPr id="2" name="Title 1">
             <a:extLst>
               <a:ext uri="{FF2B5EF4-FFF2-40B4-BE49-F238E27FC236}">
-                <a16:creationId xmlns:a16="http://schemas.microsoft.com/office/drawing/2014/main" id="{3790CE49-0E93-4260-950B-EF52599AFF0B}"/>
+                <a16:creationId xmlns:a16="http://schemas.microsoft.com/office/drawing/2014/main" xmlns="" id="{56763635-3EAC-4739-93CD-AD9773055F20}"/>
               </a:ext>
             </a:extLst>
           </p:cNvPr>
@@ -7933,8 +8088,12 @@
           <a:lstStyle/>
           <a:p>
             <a:r>
+              <a:rPr lang="en-US" dirty="0" err="1"/>
+              <a:t>Studentized</a:t>
+            </a:r>
+            <a:r>
               <a:rPr lang="en-US" dirty="0"/>
-              <a:t>Standard errors for Observation</a:t>
+              <a:t> Residual vs Leverage</a:t>
             </a:r>
           </a:p>
         </p:txBody>
@@ -7944,7 +8103,7 @@
           <p:cNvPr id="6" name="Content Placeholder 5">
             <a:extLst>
               <a:ext uri="{FF2B5EF4-FFF2-40B4-BE49-F238E27FC236}">
-                <a16:creationId xmlns:a16="http://schemas.microsoft.com/office/drawing/2014/main" id="{39082A9E-F469-4C74-9C45-4190EB3456B9}"/>
+                <a16:creationId xmlns:a16="http://schemas.microsoft.com/office/drawing/2014/main" xmlns="" id="{D5D85077-E198-4963-B3A1-CC633D28CDAC}"/>
               </a:ext>
             </a:extLst>
           </p:cNvPr>
@@ -7973,7 +8132,7 @@
           <p:cNvPr id="4" name="Slide Number Placeholder 3">
             <a:extLst>
               <a:ext uri="{FF2B5EF4-FFF2-40B4-BE49-F238E27FC236}">
-                <a16:creationId xmlns:a16="http://schemas.microsoft.com/office/drawing/2014/main" id="{C36D5CF1-1D1D-4D78-88AD-2E3ADEC6E684}"/>
+                <a16:creationId xmlns:a16="http://schemas.microsoft.com/office/drawing/2014/main" xmlns="" id="{9B8182FC-92FE-443B-B9FE-0D540CF501F8}"/>
               </a:ext>
             </a:extLst>
           </p:cNvPr>
@@ -8001,7 +8160,7 @@
     </p:spTree>
     <p:extLst>
       <p:ext uri="{BB962C8B-B14F-4D97-AF65-F5344CB8AC3E}">
-        <p14:creationId xmlns:p14="http://schemas.microsoft.com/office/powerpoint/2010/main" val="1654397180"/>
+        <p14:creationId xmlns:p14="http://schemas.microsoft.com/office/powerpoint/2010/main" val="2195192892"/>
       </p:ext>
     </p:extLst>
   </p:cSld>
@@ -8041,7 +8200,7 @@
           <p:cNvPr id="2" name="Title 1">
             <a:extLst>
               <a:ext uri="{FF2B5EF4-FFF2-40B4-BE49-F238E27FC236}">
-                <a16:creationId xmlns:a16="http://schemas.microsoft.com/office/drawing/2014/main" id="{56763635-3EAC-4739-93CD-AD9773055F20}"/>
+                <a16:creationId xmlns:a16="http://schemas.microsoft.com/office/drawing/2014/main" xmlns="" id="{56763635-3EAC-4739-93CD-AD9773055F20}"/>
               </a:ext>
             </a:extLst>
           </p:cNvPr>
@@ -8063,17 +8222,52 @@
             </a:r>
             <a:r>
               <a:rPr lang="en-US" dirty="0"/>
-              <a:t> Residual vs Leverage</a:t>
-            </a:r>
+              <a:t> Residual vs </a:t>
+            </a:r>
+            <a:r>
+              <a:rPr lang="en-US" dirty="0" smtClean="0"/>
+              <a:t>Leverage based on Cooks D</a:t>
+            </a:r>
+            <a:endParaRPr lang="en-US" dirty="0"/>
+          </a:p>
+        </p:txBody>
+      </p:sp>
+      <p:sp>
+        <p:nvSpPr>
+          <p:cNvPr id="4" name="Slide Number Placeholder 3">
+            <a:extLst>
+              <a:ext uri="{FF2B5EF4-FFF2-40B4-BE49-F238E27FC236}">
+                <a16:creationId xmlns:a16="http://schemas.microsoft.com/office/drawing/2014/main" xmlns="" id="{9B8182FC-92FE-443B-B9FE-0D540CF501F8}"/>
+              </a:ext>
+            </a:extLst>
+          </p:cNvPr>
+          <p:cNvSpPr>
+            <a:spLocks noGrp="1"/>
+          </p:cNvSpPr>
+          <p:nvPr>
+            <p:ph type="sldNum" sz="quarter" idx="12"/>
+          </p:nvPr>
+        </p:nvSpPr>
+        <p:spPr/>
+        <p:txBody>
+          <a:bodyPr/>
+          <a:lstStyle/>
+          <a:p>
+            <a:fld id="{38327683-8978-6B4B-9130-4A6A841F0549}" type="slidenum">
+              <a:rPr lang="en-US" smtClean="0"/>
+              <a:pPr/>
+              <a:t>38</a:t>
+            </a:fld>
+            <a:endParaRPr lang="en-US" dirty="0"/>
           </a:p>
         </p:txBody>
       </p:sp>
       <p:pic>
         <p:nvPicPr>
-          <p:cNvPr id="6" name="Content Placeholder 5">
+          <p:cNvPr id="8" name="Content Placeholder 7">
             <a:extLst>
               <a:ext uri="{FF2B5EF4-FFF2-40B4-BE49-F238E27FC236}">
-                <a16:creationId xmlns:a16="http://schemas.microsoft.com/office/drawing/2014/main" id="{D5D85077-E198-4963-B3A1-CC633D28CDAC}"/>
+                <a16:creationId xmlns:a16="http://schemas.microsoft.com/office/drawing/2014/main" xmlns="" id="{1244141C-6CC0-4F21-A2FA-E2C3F7072D01}"/>
               </a:ext>
             </a:extLst>
           </p:cNvPr>
@@ -8097,40 +8291,10 @@
           </a:xfrm>
         </p:spPr>
       </p:pic>
-      <p:sp>
-        <p:nvSpPr>
-          <p:cNvPr id="4" name="Slide Number Placeholder 3">
-            <a:extLst>
-              <a:ext uri="{FF2B5EF4-FFF2-40B4-BE49-F238E27FC236}">
-                <a16:creationId xmlns:a16="http://schemas.microsoft.com/office/drawing/2014/main" id="{9B8182FC-92FE-443B-B9FE-0D540CF501F8}"/>
-              </a:ext>
-            </a:extLst>
-          </p:cNvPr>
-          <p:cNvSpPr>
-            <a:spLocks noGrp="1"/>
-          </p:cNvSpPr>
-          <p:nvPr>
-            <p:ph type="sldNum" sz="quarter" idx="12"/>
-          </p:nvPr>
-        </p:nvSpPr>
-        <p:spPr/>
-        <p:txBody>
-          <a:bodyPr/>
-          <a:lstStyle/>
-          <a:p>
-            <a:fld id="{38327683-8978-6B4B-9130-4A6A841F0549}" type="slidenum">
-              <a:rPr lang="en-US" smtClean="0"/>
-              <a:pPr/>
-              <a:t>38</a:t>
-            </a:fld>
-            <a:endParaRPr lang="en-US" dirty="0"/>
-          </a:p>
-        </p:txBody>
-      </p:sp>
     </p:spTree>
     <p:extLst>
       <p:ext uri="{BB962C8B-B14F-4D97-AF65-F5344CB8AC3E}">
-        <p14:creationId xmlns:p14="http://schemas.microsoft.com/office/powerpoint/2010/main" val="2195192892"/>
+        <p14:creationId xmlns:p14="http://schemas.microsoft.com/office/powerpoint/2010/main" val="1137252891"/>
       </p:ext>
     </p:extLst>
   </p:cSld>
@@ -8170,7 +8334,7 @@
           <p:cNvPr id="2" name="Title 1">
             <a:extLst>
               <a:ext uri="{FF2B5EF4-FFF2-40B4-BE49-F238E27FC236}">
-                <a16:creationId xmlns:a16="http://schemas.microsoft.com/office/drawing/2014/main" id="{56763635-3EAC-4739-93CD-AD9773055F20}"/>
+                <a16:creationId xmlns:a16="http://schemas.microsoft.com/office/drawing/2014/main" xmlns="" id="{66ACD699-B881-4C1A-A32B-3A81ACB6EE1B}"/>
               </a:ext>
             </a:extLst>
           </p:cNvPr>
@@ -8187,52 +8351,18 @@
           <a:lstStyle/>
           <a:p>
             <a:r>
-              <a:rPr lang="en-US" dirty="0" err="1"/>
-              <a:t>Studentized</a:t>
-            </a:r>
-            <a:r>
               <a:rPr lang="en-US" dirty="0"/>
-              <a:t> Residual vs Leverage</a:t>
-            </a:r>
-          </a:p>
-        </p:txBody>
-      </p:sp>
-      <p:sp>
-        <p:nvSpPr>
-          <p:cNvPr id="4" name="Slide Number Placeholder 3">
+              <a:t>Cooks D distance vs Leverage</a:t>
+            </a:r>
+          </a:p>
+        </p:txBody>
+      </p:sp>
+      <p:pic>
+        <p:nvPicPr>
+          <p:cNvPr id="6" name="Content Placeholder 5">
             <a:extLst>
               <a:ext uri="{FF2B5EF4-FFF2-40B4-BE49-F238E27FC236}">
-                <a16:creationId xmlns:a16="http://schemas.microsoft.com/office/drawing/2014/main" id="{9B8182FC-92FE-443B-B9FE-0D540CF501F8}"/>
-              </a:ext>
-            </a:extLst>
-          </p:cNvPr>
-          <p:cNvSpPr>
-            <a:spLocks noGrp="1"/>
-          </p:cNvSpPr>
-          <p:nvPr>
-            <p:ph type="sldNum" sz="quarter" idx="12"/>
-          </p:nvPr>
-        </p:nvSpPr>
-        <p:spPr/>
-        <p:txBody>
-          <a:bodyPr/>
-          <a:lstStyle/>
-          <a:p>
-            <a:fld id="{38327683-8978-6B4B-9130-4A6A841F0549}" type="slidenum">
-              <a:rPr lang="en-US" smtClean="0"/>
-              <a:pPr/>
-              <a:t>39</a:t>
-            </a:fld>
-            <a:endParaRPr lang="en-US" dirty="0"/>
-          </a:p>
-        </p:txBody>
-      </p:sp>
-      <p:pic>
-        <p:nvPicPr>
-          <p:cNvPr id="8" name="Content Placeholder 7">
-            <a:extLst>
-              <a:ext uri="{FF2B5EF4-FFF2-40B4-BE49-F238E27FC236}">
-                <a16:creationId xmlns:a16="http://schemas.microsoft.com/office/drawing/2014/main" id="{1244141C-6CC0-4F21-A2FA-E2C3F7072D01}"/>
+                <a16:creationId xmlns:a16="http://schemas.microsoft.com/office/drawing/2014/main" xmlns="" id="{8BA19C1E-19E2-4B8C-BB7B-64491AE6DCA3}"/>
               </a:ext>
             </a:extLst>
           </p:cNvPr>
@@ -8256,10 +8386,40 @@
           </a:xfrm>
         </p:spPr>
       </p:pic>
+      <p:sp>
+        <p:nvSpPr>
+          <p:cNvPr id="4" name="Slide Number Placeholder 3">
+            <a:extLst>
+              <a:ext uri="{FF2B5EF4-FFF2-40B4-BE49-F238E27FC236}">
+                <a16:creationId xmlns:a16="http://schemas.microsoft.com/office/drawing/2014/main" xmlns="" id="{CB13383B-AFC2-4DAC-8B14-A2FD504CAA8A}"/>
+              </a:ext>
+            </a:extLst>
+          </p:cNvPr>
+          <p:cNvSpPr>
+            <a:spLocks noGrp="1"/>
+          </p:cNvSpPr>
+          <p:nvPr>
+            <p:ph type="sldNum" sz="quarter" idx="12"/>
+          </p:nvPr>
+        </p:nvSpPr>
+        <p:spPr/>
+        <p:txBody>
+          <a:bodyPr/>
+          <a:lstStyle/>
+          <a:p>
+            <a:fld id="{38327683-8978-6B4B-9130-4A6A841F0549}" type="slidenum">
+              <a:rPr lang="en-US" smtClean="0"/>
+              <a:pPr/>
+              <a:t>39</a:t>
+            </a:fld>
+            <a:endParaRPr lang="en-US" dirty="0"/>
+          </a:p>
+        </p:txBody>
+      </p:sp>
     </p:spTree>
     <p:extLst>
       <p:ext uri="{BB962C8B-B14F-4D97-AF65-F5344CB8AC3E}">
-        <p14:creationId xmlns:p14="http://schemas.microsoft.com/office/powerpoint/2010/main" val="1137252891"/>
+        <p14:creationId xmlns:p14="http://schemas.microsoft.com/office/powerpoint/2010/main" val="4266256495"/>
       </p:ext>
     </p:extLst>
   </p:cSld>
@@ -8957,7 +9117,7 @@
           <p:cNvPr id="2" name="Title 1">
             <a:extLst>
               <a:ext uri="{FF2B5EF4-FFF2-40B4-BE49-F238E27FC236}">
-                <a16:creationId xmlns:a16="http://schemas.microsoft.com/office/drawing/2014/main" id="{66ACD699-B881-4C1A-A32B-3A81ACB6EE1B}"/>
+                <a16:creationId xmlns:a16="http://schemas.microsoft.com/office/drawing/2014/main" xmlns="" id="{CA951C4B-4D53-4EEC-B10F-7A494D01874A}"/>
               </a:ext>
             </a:extLst>
           </p:cNvPr>
@@ -8975,46 +9135,63 @@
           <a:p>
             <a:r>
               <a:rPr lang="en-US" dirty="0"/>
-              <a:t>Cooks D distance vs Leverage</a:t>
-            </a:r>
-          </a:p>
-        </p:txBody>
-      </p:sp>
-      <p:pic>
-        <p:nvPicPr>
-          <p:cNvPr id="6" name="Content Placeholder 5">
+              <a:t>Summary</a:t>
+            </a:r>
+          </a:p>
+        </p:txBody>
+      </p:sp>
+      <p:sp>
+        <p:nvSpPr>
+          <p:cNvPr id="3" name="Content Placeholder 2">
             <a:extLst>
               <a:ext uri="{FF2B5EF4-FFF2-40B4-BE49-F238E27FC236}">
-                <a16:creationId xmlns:a16="http://schemas.microsoft.com/office/drawing/2014/main" id="{8BA19C1E-19E2-4B8C-BB7B-64491AE6DCA3}"/>
+                <a16:creationId xmlns:a16="http://schemas.microsoft.com/office/drawing/2014/main" xmlns="" id="{CE57D184-78B9-4A0A-968C-7F54F433A51F}"/>
               </a:ext>
             </a:extLst>
           </p:cNvPr>
-          <p:cNvPicPr>
-            <a:picLocks noGrp="1" noChangeAspect="1"/>
-          </p:cNvPicPr>
+          <p:cNvSpPr>
+            <a:spLocks noGrp="1"/>
+          </p:cNvSpPr>
           <p:nvPr>
             <p:ph idx="1"/>
           </p:nvPr>
-        </p:nvPicPr>
-        <p:blipFill>
-          <a:blip r:embed="rId2"/>
-          <a:stretch>
-            <a:fillRect/>
-          </a:stretch>
-        </p:blipFill>
-        <p:spPr>
-          <a:xfrm>
-            <a:off x="1526063" y="1825625"/>
-            <a:ext cx="6091873" cy="4351338"/>
-          </a:xfrm>
-        </p:spPr>
-      </p:pic>
+        </p:nvSpPr>
+        <p:spPr/>
+        <p:txBody>
+          <a:bodyPr/>
+          <a:lstStyle/>
+          <a:p>
+            <a:r>
+              <a:rPr lang="en-US" dirty="0"/>
+              <a:t>According to our analysis, check the likelihood ratio test of the nothing model with the stepwise and forward selection models, the best model is </a:t>
+            </a:r>
+            <a:r>
+              <a:rPr lang="en-US" dirty="0" smtClean="0"/>
+              <a:t>FORWARD </a:t>
+            </a:r>
+            <a:r>
+              <a:rPr lang="en-US" smtClean="0"/>
+              <a:t>2 Model as </a:t>
+            </a:r>
+            <a:r>
+              <a:rPr lang="en-US" dirty="0"/>
+              <a:t>follows</a:t>
+            </a:r>
+          </a:p>
+          <a:p>
+            <a:endParaRPr lang="en-US" dirty="0"/>
+          </a:p>
+          <a:p>
+            <a:endParaRPr lang="en-US" dirty="0"/>
+          </a:p>
+        </p:txBody>
+      </p:sp>
       <p:sp>
         <p:nvSpPr>
           <p:cNvPr id="4" name="Slide Number Placeholder 3">
             <a:extLst>
               <a:ext uri="{FF2B5EF4-FFF2-40B4-BE49-F238E27FC236}">
-                <a16:creationId xmlns:a16="http://schemas.microsoft.com/office/drawing/2014/main" id="{CB13383B-AFC2-4DAC-8B14-A2FD504CAA8A}"/>
+                <a16:creationId xmlns:a16="http://schemas.microsoft.com/office/drawing/2014/main" xmlns="" id="{F297D887-DA00-4366-B645-C394D6AFB4C9}"/>
               </a:ext>
             </a:extLst>
           </p:cNvPr>
@@ -9039,142 +9216,12 @@
           </a:p>
         </p:txBody>
       </p:sp>
-    </p:spTree>
-    <p:extLst>
-      <p:ext uri="{BB962C8B-B14F-4D97-AF65-F5344CB8AC3E}">
-        <p14:creationId xmlns:p14="http://schemas.microsoft.com/office/powerpoint/2010/main" val="4266256495"/>
-      </p:ext>
-    </p:extLst>
-  </p:cSld>
-  <p:clrMapOvr>
-    <a:masterClrMapping/>
-  </p:clrMapOvr>
-  <mc:AlternateContent xmlns:mc="http://schemas.openxmlformats.org/markup-compatibility/2006" xmlns:p14="http://schemas.microsoft.com/office/powerpoint/2010/main">
-    <mc:Choice Requires="p14">
-      <p:transition p14:dur="0" advClick="0" advTm="15000"/>
-    </mc:Choice>
-    <mc:Fallback xmlns="">
-      <p:transition advClick="0" advTm="15000"/>
-    </mc:Fallback>
-  </mc:AlternateContent>
-</p:sld>
-</file>
-
-<file path=ppt/slides/slide41.xml><?xml version="1.0" encoding="utf-8"?>
-<p:sld xmlns:a="http://schemas.openxmlformats.org/drawingml/2006/main" xmlns:r="http://schemas.openxmlformats.org/officeDocument/2006/relationships" xmlns:p="http://schemas.openxmlformats.org/presentationml/2006/main">
-  <p:cSld>
-    <p:spTree>
-      <p:nvGrpSpPr>
-        <p:cNvPr id="1" name=""/>
-        <p:cNvGrpSpPr/>
-        <p:nvPr/>
-      </p:nvGrpSpPr>
-      <p:grpSpPr>
-        <a:xfrm>
-          <a:off x="0" y="0"/>
-          <a:ext cx="0" cy="0"/>
-          <a:chOff x="0" y="0"/>
-          <a:chExt cx="0" cy="0"/>
-        </a:xfrm>
-      </p:grpSpPr>
-      <p:sp>
-        <p:nvSpPr>
-          <p:cNvPr id="2" name="Title 1">
-            <a:extLst>
-              <a:ext uri="{FF2B5EF4-FFF2-40B4-BE49-F238E27FC236}">
-                <a16:creationId xmlns:a16="http://schemas.microsoft.com/office/drawing/2014/main" id="{CA951C4B-4D53-4EEC-B10F-7A494D01874A}"/>
-              </a:ext>
-            </a:extLst>
-          </p:cNvPr>
-          <p:cNvSpPr>
-            <a:spLocks noGrp="1"/>
-          </p:cNvSpPr>
-          <p:nvPr>
-            <p:ph type="title"/>
-          </p:nvPr>
-        </p:nvSpPr>
-        <p:spPr/>
-        <p:txBody>
-          <a:bodyPr/>
-          <a:lstStyle/>
-          <a:p>
-            <a:r>
-              <a:rPr lang="en-US" dirty="0"/>
-              <a:t>Summary</a:t>
-            </a:r>
-          </a:p>
-        </p:txBody>
-      </p:sp>
-      <p:sp>
-        <p:nvSpPr>
-          <p:cNvPr id="3" name="Content Placeholder 2">
-            <a:extLst>
-              <a:ext uri="{FF2B5EF4-FFF2-40B4-BE49-F238E27FC236}">
-                <a16:creationId xmlns:a16="http://schemas.microsoft.com/office/drawing/2014/main" id="{CE57D184-78B9-4A0A-968C-7F54F433A51F}"/>
-              </a:ext>
-            </a:extLst>
-          </p:cNvPr>
-          <p:cNvSpPr>
-            <a:spLocks noGrp="1"/>
-          </p:cNvSpPr>
-          <p:nvPr>
-            <p:ph idx="1"/>
-          </p:nvPr>
-        </p:nvSpPr>
-        <p:spPr/>
-        <p:txBody>
-          <a:bodyPr/>
-          <a:lstStyle/>
-          <a:p>
-            <a:r>
-              <a:rPr lang="en-US" dirty="0"/>
-              <a:t>According to our analysis, check the likelihood ratio test of the nothing model with the stepwise and forward selection models, the best model is forward #2 as follows</a:t>
-            </a:r>
-          </a:p>
-          <a:p>
-            <a:endParaRPr lang="en-US" dirty="0"/>
-          </a:p>
-          <a:p>
-            <a:endParaRPr lang="en-US" dirty="0"/>
-          </a:p>
-        </p:txBody>
-      </p:sp>
-      <p:sp>
-        <p:nvSpPr>
-          <p:cNvPr id="4" name="Slide Number Placeholder 3">
-            <a:extLst>
-              <a:ext uri="{FF2B5EF4-FFF2-40B4-BE49-F238E27FC236}">
-                <a16:creationId xmlns:a16="http://schemas.microsoft.com/office/drawing/2014/main" id="{F297D887-DA00-4366-B645-C394D6AFB4C9}"/>
-              </a:ext>
-            </a:extLst>
-          </p:cNvPr>
-          <p:cNvSpPr>
-            <a:spLocks noGrp="1"/>
-          </p:cNvSpPr>
-          <p:nvPr>
-            <p:ph type="sldNum" sz="quarter" idx="12"/>
-          </p:nvPr>
-        </p:nvSpPr>
-        <p:spPr/>
-        <p:txBody>
-          <a:bodyPr/>
-          <a:lstStyle/>
-          <a:p>
-            <a:fld id="{38327683-8978-6B4B-9130-4A6A841F0549}" type="slidenum">
-              <a:rPr lang="en-US" smtClean="0"/>
-              <a:pPr/>
-              <a:t>41</a:t>
-            </a:fld>
-            <a:endParaRPr lang="en-US" dirty="0"/>
-          </a:p>
-        </p:txBody>
-      </p:sp>
       <p:sp>
         <p:nvSpPr>
           <p:cNvPr id="5" name="Rectangle 1">
             <a:extLst>
               <a:ext uri="{FF2B5EF4-FFF2-40B4-BE49-F238E27FC236}">
-                <a16:creationId xmlns:a16="http://schemas.microsoft.com/office/drawing/2014/main" id="{F2BF78C7-18D5-44BD-BFB8-F98F492A431C}"/>
+                <a16:creationId xmlns:a16="http://schemas.microsoft.com/office/drawing/2014/main" xmlns="" id="{F2BF78C7-18D5-44BD-BFB8-F98F492A431C}"/>
               </a:ext>
             </a:extLst>
           </p:cNvPr>
@@ -10042,7 +10089,7 @@
           <p:cNvPr id="5" name="Picture 4">
             <a:extLst>
               <a:ext uri="{FF2B5EF4-FFF2-40B4-BE49-F238E27FC236}">
-                <a16:creationId xmlns:a16="http://schemas.microsoft.com/office/drawing/2014/main" id="{7D25210D-3224-41DF-8F2B-22E8B3DE0EAE}"/>
+                <a16:creationId xmlns:a16="http://schemas.microsoft.com/office/drawing/2014/main" xmlns="" id="{7D25210D-3224-41DF-8F2B-22E8B3DE0EAE}"/>
               </a:ext>
             </a:extLst>
           </p:cNvPr>
@@ -10110,7 +10157,7 @@
           <p:cNvPr id="2" name="Title 1">
             <a:extLst>
               <a:ext uri="{FF2B5EF4-FFF2-40B4-BE49-F238E27FC236}">
-                <a16:creationId xmlns:a16="http://schemas.microsoft.com/office/drawing/2014/main" id="{FFCE6460-3F3E-4899-9BCF-0689EE723B35}"/>
+                <a16:creationId xmlns:a16="http://schemas.microsoft.com/office/drawing/2014/main" xmlns="" id="{FFCE6460-3F3E-4899-9BCF-0689EE723B35}"/>
               </a:ext>
             </a:extLst>
           </p:cNvPr>
@@ -10138,7 +10185,7 @@
           <p:cNvPr id="6" name="Content Placeholder 5">
             <a:extLst>
               <a:ext uri="{FF2B5EF4-FFF2-40B4-BE49-F238E27FC236}">
-                <a16:creationId xmlns:a16="http://schemas.microsoft.com/office/drawing/2014/main" id="{25109D1B-C79D-4F33-8E77-83FA08CD41A5}"/>
+                <a16:creationId xmlns:a16="http://schemas.microsoft.com/office/drawing/2014/main" xmlns="" id="{25109D1B-C79D-4F33-8E77-83FA08CD41A5}"/>
               </a:ext>
             </a:extLst>
           </p:cNvPr>
@@ -10167,7 +10214,7 @@
           <p:cNvPr id="4" name="Slide Number Placeholder 3">
             <a:extLst>
               <a:ext uri="{FF2B5EF4-FFF2-40B4-BE49-F238E27FC236}">
-                <a16:creationId xmlns:a16="http://schemas.microsoft.com/office/drawing/2014/main" id="{A6E6C38E-1550-4CBF-87A5-39EA80759E42}"/>
+                <a16:creationId xmlns:a16="http://schemas.microsoft.com/office/drawing/2014/main" xmlns="" id="{A6E6C38E-1550-4CBF-87A5-39EA80759E42}"/>
               </a:ext>
             </a:extLst>
           </p:cNvPr>
@@ -10197,7 +10244,7 @@
           <p:cNvPr id="8" name="Picture 7">
             <a:extLst>
               <a:ext uri="{FF2B5EF4-FFF2-40B4-BE49-F238E27FC236}">
-                <a16:creationId xmlns:a16="http://schemas.microsoft.com/office/drawing/2014/main" id="{AB56864C-4DF0-4783-A9BA-40195D87FC62}"/>
+                <a16:creationId xmlns:a16="http://schemas.microsoft.com/office/drawing/2014/main" xmlns="" id="{AB56864C-4DF0-4783-A9BA-40195D87FC62}"/>
               </a:ext>
             </a:extLst>
           </p:cNvPr>
@@ -10227,7 +10274,7 @@
           <p:cNvPr id="10" name="Picture 9">
             <a:extLst>
               <a:ext uri="{FF2B5EF4-FFF2-40B4-BE49-F238E27FC236}">
-                <a16:creationId xmlns:a16="http://schemas.microsoft.com/office/drawing/2014/main" id="{320B1A47-EE5C-4B52-BA87-8A4B66825204}"/>
+                <a16:creationId xmlns:a16="http://schemas.microsoft.com/office/drawing/2014/main" xmlns="" id="{320B1A47-EE5C-4B52-BA87-8A4B66825204}"/>
               </a:ext>
             </a:extLst>
           </p:cNvPr>
@@ -10257,7 +10304,7 @@
           <p:cNvPr id="12" name="Picture 11">
             <a:extLst>
               <a:ext uri="{FF2B5EF4-FFF2-40B4-BE49-F238E27FC236}">
-                <a16:creationId xmlns:a16="http://schemas.microsoft.com/office/drawing/2014/main" id="{C85B4CC8-A8B2-40A7-99FC-3118B0E1B610}"/>
+                <a16:creationId xmlns:a16="http://schemas.microsoft.com/office/drawing/2014/main" xmlns="" id="{C85B4CC8-A8B2-40A7-99FC-3118B0E1B610}"/>
               </a:ext>
             </a:extLst>
           </p:cNvPr>
@@ -10287,7 +10334,7 @@
           <p:cNvPr id="14" name="Picture 13">
             <a:extLst>
               <a:ext uri="{FF2B5EF4-FFF2-40B4-BE49-F238E27FC236}">
-                <a16:creationId xmlns:a16="http://schemas.microsoft.com/office/drawing/2014/main" id="{F9FB84FB-E6AE-408F-9216-92E4CF25164C}"/>
+                <a16:creationId xmlns:a16="http://schemas.microsoft.com/office/drawing/2014/main" xmlns="" id="{F9FB84FB-E6AE-408F-9216-92E4CF25164C}"/>
               </a:ext>
             </a:extLst>
           </p:cNvPr>
@@ -10317,7 +10364,7 @@
           <p:cNvPr id="16" name="Picture 15">
             <a:extLst>
               <a:ext uri="{FF2B5EF4-FFF2-40B4-BE49-F238E27FC236}">
-                <a16:creationId xmlns:a16="http://schemas.microsoft.com/office/drawing/2014/main" id="{97D91F18-0420-41B7-8EBA-9115348C2C5E}"/>
+                <a16:creationId xmlns:a16="http://schemas.microsoft.com/office/drawing/2014/main" xmlns="" id="{97D91F18-0420-41B7-8EBA-9115348C2C5E}"/>
               </a:ext>
             </a:extLst>
           </p:cNvPr>
@@ -10347,7 +10394,7 @@
           <p:cNvPr id="18" name="&quot;Not Allowed&quot; Symbol 17">
             <a:extLst>
               <a:ext uri="{FF2B5EF4-FFF2-40B4-BE49-F238E27FC236}">
-                <a16:creationId xmlns:a16="http://schemas.microsoft.com/office/drawing/2014/main" id="{EF58987F-BB27-4907-A8F5-410067043359}"/>
+                <a16:creationId xmlns:a16="http://schemas.microsoft.com/office/drawing/2014/main" xmlns="" id="{EF58987F-BB27-4907-A8F5-410067043359}"/>
               </a:ext>
             </a:extLst>
           </p:cNvPr>
@@ -10397,7 +10444,7 @@
           <p:cNvPr id="19" name="&quot;Not Allowed&quot; Symbol 18">
             <a:extLst>
               <a:ext uri="{FF2B5EF4-FFF2-40B4-BE49-F238E27FC236}">
-                <a16:creationId xmlns:a16="http://schemas.microsoft.com/office/drawing/2014/main" id="{E7C6B556-44DF-4762-8492-A0B345924863}"/>
+                <a16:creationId xmlns:a16="http://schemas.microsoft.com/office/drawing/2014/main" xmlns="" id="{E7C6B556-44DF-4762-8492-A0B345924863}"/>
               </a:ext>
             </a:extLst>
           </p:cNvPr>
@@ -10447,7 +10494,7 @@
           <p:cNvPr id="20" name="&quot;Not Allowed&quot; Symbol 19">
             <a:extLst>
               <a:ext uri="{FF2B5EF4-FFF2-40B4-BE49-F238E27FC236}">
-                <a16:creationId xmlns:a16="http://schemas.microsoft.com/office/drawing/2014/main" id="{E346877C-16A9-466C-AFE5-B57AEC56865B}"/>
+                <a16:creationId xmlns:a16="http://schemas.microsoft.com/office/drawing/2014/main" xmlns="" id="{E346877C-16A9-466C-AFE5-B57AEC56865B}"/>
               </a:ext>
             </a:extLst>
           </p:cNvPr>
@@ -10497,7 +10544,7 @@
           <p:cNvPr id="21" name="&quot;Not Allowed&quot; Symbol 20">
             <a:extLst>
               <a:ext uri="{FF2B5EF4-FFF2-40B4-BE49-F238E27FC236}">
-                <a16:creationId xmlns:a16="http://schemas.microsoft.com/office/drawing/2014/main" id="{913B4A88-1B04-4D14-A158-2D50F4E324F2}"/>
+                <a16:creationId xmlns:a16="http://schemas.microsoft.com/office/drawing/2014/main" xmlns="" id="{913B4A88-1B04-4D14-A158-2D50F4E324F2}"/>
               </a:ext>
             </a:extLst>
           </p:cNvPr>
@@ -10547,7 +10594,7 @@
           <p:cNvPr id="22" name="&quot;Not Allowed&quot; Symbol 21">
             <a:extLst>
               <a:ext uri="{FF2B5EF4-FFF2-40B4-BE49-F238E27FC236}">
-                <a16:creationId xmlns:a16="http://schemas.microsoft.com/office/drawing/2014/main" id="{110C161F-0F13-4736-A756-7E1DE47ADF67}"/>
+                <a16:creationId xmlns:a16="http://schemas.microsoft.com/office/drawing/2014/main" xmlns="" id="{110C161F-0F13-4736-A756-7E1DE47ADF67}"/>
               </a:ext>
             </a:extLst>
           </p:cNvPr>
@@ -10597,7 +10644,7 @@
           <p:cNvPr id="23" name="&quot;Not Allowed&quot; Symbol 22">
             <a:extLst>
               <a:ext uri="{FF2B5EF4-FFF2-40B4-BE49-F238E27FC236}">
-                <a16:creationId xmlns:a16="http://schemas.microsoft.com/office/drawing/2014/main" id="{C8042CAC-F6BD-44DE-9F38-8A23F1DB6333}"/>
+                <a16:creationId xmlns:a16="http://schemas.microsoft.com/office/drawing/2014/main" xmlns="" id="{C8042CAC-F6BD-44DE-9F38-8A23F1DB6333}"/>
               </a:ext>
             </a:extLst>
           </p:cNvPr>
@@ -10647,7 +10694,7 @@
           <p:cNvPr id="24" name="&quot;Not Allowed&quot; Symbol 23">
             <a:extLst>
               <a:ext uri="{FF2B5EF4-FFF2-40B4-BE49-F238E27FC236}">
-                <a16:creationId xmlns:a16="http://schemas.microsoft.com/office/drawing/2014/main" id="{52E6FF4D-5F02-4BB2-991A-15AE90A53175}"/>
+                <a16:creationId xmlns:a16="http://schemas.microsoft.com/office/drawing/2014/main" xmlns="" id="{52E6FF4D-5F02-4BB2-991A-15AE90A53175}"/>
               </a:ext>
             </a:extLst>
           </p:cNvPr>
@@ -10697,7 +10744,7 @@
           <p:cNvPr id="25" name="&quot;Not Allowed&quot; Symbol 24">
             <a:extLst>
               <a:ext uri="{FF2B5EF4-FFF2-40B4-BE49-F238E27FC236}">
-                <a16:creationId xmlns:a16="http://schemas.microsoft.com/office/drawing/2014/main" id="{6BEECA68-8D37-48D1-8DFB-39341C08C00D}"/>
+                <a16:creationId xmlns:a16="http://schemas.microsoft.com/office/drawing/2014/main" xmlns="" id="{6BEECA68-8D37-48D1-8DFB-39341C08C00D}"/>
               </a:ext>
             </a:extLst>
           </p:cNvPr>
@@ -10747,7 +10794,7 @@
           <p:cNvPr id="26" name="TextBox 25">
             <a:extLst>
               <a:ext uri="{FF2B5EF4-FFF2-40B4-BE49-F238E27FC236}">
-                <a16:creationId xmlns:a16="http://schemas.microsoft.com/office/drawing/2014/main" id="{3F9F4810-2C61-420D-A71F-A7C60710B2A3}"/>
+                <a16:creationId xmlns:a16="http://schemas.microsoft.com/office/drawing/2014/main" xmlns="" id="{3F9F4810-2C61-420D-A71F-A7C60710B2A3}"/>
               </a:ext>
             </a:extLst>
           </p:cNvPr>
@@ -10898,7 +10945,7 @@
           <p:cNvPr id="5" name="Picture 4">
             <a:extLst>
               <a:ext uri="{FF2B5EF4-FFF2-40B4-BE49-F238E27FC236}">
-                <a16:creationId xmlns:a16="http://schemas.microsoft.com/office/drawing/2014/main" id="{466E860B-5191-495A-B557-32E8D990397D}"/>
+                <a16:creationId xmlns:a16="http://schemas.microsoft.com/office/drawing/2014/main" xmlns="" id="{466E860B-5191-495A-B557-32E8D990397D}"/>
               </a:ext>
             </a:extLst>
           </p:cNvPr>
@@ -10928,7 +10975,7 @@
           <p:cNvPr id="6" name="Picture 5">
             <a:extLst>
               <a:ext uri="{FF2B5EF4-FFF2-40B4-BE49-F238E27FC236}">
-                <a16:creationId xmlns:a16="http://schemas.microsoft.com/office/drawing/2014/main" id="{493E9479-4A52-434E-A4F9-589070881089}"/>
+                <a16:creationId xmlns:a16="http://schemas.microsoft.com/office/drawing/2014/main" xmlns="" id="{493E9479-4A52-434E-A4F9-589070881089}"/>
               </a:ext>
             </a:extLst>
           </p:cNvPr>
@@ -11075,7 +11122,7 @@
           <p:cNvPr id="5" name="Picture 4">
             <a:extLst>
               <a:ext uri="{FF2B5EF4-FFF2-40B4-BE49-F238E27FC236}">
-                <a16:creationId xmlns:a16="http://schemas.microsoft.com/office/drawing/2014/main" id="{A122BA49-BCC1-4069-8B36-2E2A36A085DC}"/>
+                <a16:creationId xmlns:a16="http://schemas.microsoft.com/office/drawing/2014/main" xmlns="" id="{A122BA49-BCC1-4069-8B36-2E2A36A085DC}"/>
               </a:ext>
             </a:extLst>
           </p:cNvPr>
@@ -11530,7 +11577,7 @@
   <a:extraClrSchemeLst/>
   <a:extLst>
     <a:ext uri="{05A4C25C-085E-4340-85A3-A5531E510DB2}">
-      <thm15:themeFamily xmlns:thm15="http://schemas.microsoft.com/office/thememl/2012/main" name="Office Theme" id="{62F939B6-93AF-4DB8-9C6B-D6C7DFDC589F}" vid="{4A3C46E8-61CC-4603-A589-7422A47A8E4A}"/>
+      <thm15:themeFamily xmlns:thm15="http://schemas.microsoft.com/office/thememl/2012/main" xmlns="" name="Office Theme" id="{62F939B6-93AF-4DB8-9C6B-D6C7DFDC589F}" vid="{4A3C46E8-61CC-4603-A589-7422A47A8E4A}"/>
     </a:ext>
   </a:extLst>
 </a:theme>
@@ -11791,7 +11838,7 @@
   <a:extraClrSchemeLst/>
   <a:extLst>
     <a:ext uri="{05A4C25C-085E-4340-85A3-A5531E510DB2}">
-      <thm15:themeFamily xmlns:thm15="http://schemas.microsoft.com/office/thememl/2012/main" name="Office Theme" id="{62F939B6-93AF-4DB8-9C6B-D6C7DFDC589F}" vid="{4A3C46E8-61CC-4603-A589-7422A47A8E4A}"/>
+      <thm15:themeFamily xmlns:thm15="http://schemas.microsoft.com/office/thememl/2012/main" xmlns="" name="Office Theme" id="{62F939B6-93AF-4DB8-9C6B-D6C7DFDC589F}" vid="{4A3C46E8-61CC-4603-A589-7422A47A8E4A}"/>
     </a:ext>
   </a:extLst>
 </a:theme>

--- a/Doing_Data_Science/CaseStudy2/Reports/MSDSPresentationTemplatev0.1_2_2_2_2.pptx
+++ b/Doing_Data_Science/CaseStudy2/Reports/MSDSPresentationTemplatev0.1_2_2_2_2.pptx
@@ -148,7 +148,7 @@
   </p:defaultTextStyle>
   <p:extLst>
     <p:ext uri="{EFAFB233-063F-42B5-8137-9DF3F51BA10A}">
-      <p15:sldGuideLst xmlns:p15="http://schemas.microsoft.com/office/powerpoint/2012/main" xmlns=""/>
+      <p15:sldGuideLst xmlns="" xmlns:p15="http://schemas.microsoft.com/office/powerpoint/2012/main"/>
     </p:ext>
   </p:extLst>
 </p:presentation>
@@ -3859,7 +3859,7 @@
           <p:cNvPr id="2" name="Title 1">
             <a:extLst>
               <a:ext uri="{FF2B5EF4-FFF2-40B4-BE49-F238E27FC236}">
-                <a16:creationId xmlns:a16="http://schemas.microsoft.com/office/drawing/2014/main" xmlns="" id="{F19D4C4C-38E0-4BA0-8683-E58FC183E858}"/>
+                <a16:creationId xmlns="" xmlns:a16="http://schemas.microsoft.com/office/drawing/2014/main" id="{F19D4C4C-38E0-4BA0-8683-E58FC183E858}"/>
               </a:ext>
             </a:extLst>
           </p:cNvPr>
@@ -3897,7 +3897,7 @@
           <p:cNvPr id="4" name="Slide Number Placeholder 3">
             <a:extLst>
               <a:ext uri="{FF2B5EF4-FFF2-40B4-BE49-F238E27FC236}">
-                <a16:creationId xmlns:a16="http://schemas.microsoft.com/office/drawing/2014/main" xmlns="" id="{B29C2946-0225-4BE8-BC5F-3F2F35FA4656}"/>
+                <a16:creationId xmlns="" xmlns:a16="http://schemas.microsoft.com/office/drawing/2014/main" id="{B29C2946-0225-4BE8-BC5F-3F2F35FA4656}"/>
               </a:ext>
             </a:extLst>
           </p:cNvPr>
@@ -3927,7 +3927,7 @@
           <p:cNvPr id="18" name="Content Placeholder 17">
             <a:extLst>
               <a:ext uri="{FF2B5EF4-FFF2-40B4-BE49-F238E27FC236}">
-                <a16:creationId xmlns:a16="http://schemas.microsoft.com/office/drawing/2014/main" xmlns="" id="{B70FA49E-DB1A-4D2F-B3D6-A12086B252A1}"/>
+                <a16:creationId xmlns="" xmlns:a16="http://schemas.microsoft.com/office/drawing/2014/main" id="{B70FA49E-DB1A-4D2F-B3D6-A12086B252A1}"/>
               </a:ext>
             </a:extLst>
           </p:cNvPr>
@@ -4025,7 +4025,7 @@
           <p:cNvPr id="6" name="Content Placeholder 5">
             <a:extLst>
               <a:ext uri="{FF2B5EF4-FFF2-40B4-BE49-F238E27FC236}">
-                <a16:creationId xmlns:a16="http://schemas.microsoft.com/office/drawing/2014/main" xmlns="" id="{E8857B41-3BD7-49E9-8668-2A733709510E}"/>
+                <a16:creationId xmlns="" xmlns:a16="http://schemas.microsoft.com/office/drawing/2014/main" id="{E8857B41-3BD7-49E9-8668-2A733709510E}"/>
               </a:ext>
             </a:extLst>
           </p:cNvPr>
@@ -4146,7 +4146,7 @@
           <p:cNvPr id="6" name="Content Placeholder 5">
             <a:extLst>
               <a:ext uri="{FF2B5EF4-FFF2-40B4-BE49-F238E27FC236}">
-                <a16:creationId xmlns:a16="http://schemas.microsoft.com/office/drawing/2014/main" xmlns="" id="{61D6C121-E635-4D07-B4C2-35D4734261AF}"/>
+                <a16:creationId xmlns="" xmlns:a16="http://schemas.microsoft.com/office/drawing/2014/main" id="{61D6C121-E635-4D07-B4C2-35D4734261AF}"/>
               </a:ext>
             </a:extLst>
           </p:cNvPr>
@@ -4290,7 +4290,7 @@
           <p:cNvPr id="7" name="Picture 6">
             <a:extLst>
               <a:ext uri="{FF2B5EF4-FFF2-40B4-BE49-F238E27FC236}">
-                <a16:creationId xmlns:a16="http://schemas.microsoft.com/office/drawing/2014/main" xmlns="" id="{C62A8C6E-7406-4259-956B-CB235BC49411}"/>
+                <a16:creationId xmlns="" xmlns:a16="http://schemas.microsoft.com/office/drawing/2014/main" id="{C62A8C6E-7406-4259-956B-CB235BC49411}"/>
               </a:ext>
             </a:extLst>
           </p:cNvPr>
@@ -4412,7 +4412,7 @@
           <p:cNvPr id="3" name="Picture 2">
             <a:extLst>
               <a:ext uri="{FF2B5EF4-FFF2-40B4-BE49-F238E27FC236}">
-                <a16:creationId xmlns:a16="http://schemas.microsoft.com/office/drawing/2014/main" xmlns="" id="{FF0E3EE5-FBE1-4ABD-9D9E-148B8D27868E}"/>
+                <a16:creationId xmlns="" xmlns:a16="http://schemas.microsoft.com/office/drawing/2014/main" id="{FF0E3EE5-FBE1-4ABD-9D9E-148B8D27868E}"/>
               </a:ext>
             </a:extLst>
           </p:cNvPr>
@@ -4534,7 +4534,7 @@
           <p:cNvPr id="6" name="Picture 5">
             <a:extLst>
               <a:ext uri="{FF2B5EF4-FFF2-40B4-BE49-F238E27FC236}">
-                <a16:creationId xmlns:a16="http://schemas.microsoft.com/office/drawing/2014/main" xmlns="" id="{052667F5-BF7A-4DCE-8553-4193F0796BA6}"/>
+                <a16:creationId xmlns="" xmlns:a16="http://schemas.microsoft.com/office/drawing/2014/main" id="{052667F5-BF7A-4DCE-8553-4193F0796BA6}"/>
               </a:ext>
             </a:extLst>
           </p:cNvPr>
@@ -4656,7 +4656,7 @@
           <p:cNvPr id="5" name="Picture 4">
             <a:extLst>
               <a:ext uri="{FF2B5EF4-FFF2-40B4-BE49-F238E27FC236}">
-                <a16:creationId xmlns:a16="http://schemas.microsoft.com/office/drawing/2014/main" xmlns="" id="{25ED1D38-B3A4-472A-8DAB-B21479F8E4F5}"/>
+                <a16:creationId xmlns="" xmlns:a16="http://schemas.microsoft.com/office/drawing/2014/main" id="{25ED1D38-B3A4-472A-8DAB-B21479F8E4F5}"/>
               </a:ext>
             </a:extLst>
           </p:cNvPr>
@@ -4778,7 +4778,7 @@
           <p:cNvPr id="6" name="Picture 5">
             <a:extLst>
               <a:ext uri="{FF2B5EF4-FFF2-40B4-BE49-F238E27FC236}">
-                <a16:creationId xmlns:a16="http://schemas.microsoft.com/office/drawing/2014/main" xmlns="" id="{5933CCDE-EF28-4D72-9A0F-56D773759CD1}"/>
+                <a16:creationId xmlns="" xmlns:a16="http://schemas.microsoft.com/office/drawing/2014/main" id="{5933CCDE-EF28-4D72-9A0F-56D773759CD1}"/>
               </a:ext>
             </a:extLst>
           </p:cNvPr>
@@ -4900,7 +4900,7 @@
           <p:cNvPr id="5" name="Picture 4">
             <a:extLst>
               <a:ext uri="{FF2B5EF4-FFF2-40B4-BE49-F238E27FC236}">
-                <a16:creationId xmlns:a16="http://schemas.microsoft.com/office/drawing/2014/main" xmlns="" id="{22881B27-7393-4AEC-9D9D-331C8757AA9B}"/>
+                <a16:creationId xmlns="" xmlns:a16="http://schemas.microsoft.com/office/drawing/2014/main" id="{22881B27-7393-4AEC-9D9D-331C8757AA9B}"/>
               </a:ext>
             </a:extLst>
           </p:cNvPr>
@@ -5022,7 +5022,7 @@
           <p:cNvPr id="6" name="Picture 5">
             <a:extLst>
               <a:ext uri="{FF2B5EF4-FFF2-40B4-BE49-F238E27FC236}">
-                <a16:creationId xmlns:a16="http://schemas.microsoft.com/office/drawing/2014/main" xmlns="" id="{40D4DAF3-4556-41BC-B21F-748A86A960F2}"/>
+                <a16:creationId xmlns="" xmlns:a16="http://schemas.microsoft.com/office/drawing/2014/main" id="{40D4DAF3-4556-41BC-B21F-748A86A960F2}"/>
               </a:ext>
             </a:extLst>
           </p:cNvPr>
@@ -5252,7 +5252,7 @@
           <p:cNvPr id="6" name="Picture 5">
             <a:extLst>
               <a:ext uri="{FF2B5EF4-FFF2-40B4-BE49-F238E27FC236}">
-                <a16:creationId xmlns:a16="http://schemas.microsoft.com/office/drawing/2014/main" xmlns="" id="{A457BCE3-99EB-4323-A275-C8085F28B912}"/>
+                <a16:creationId xmlns="" xmlns:a16="http://schemas.microsoft.com/office/drawing/2014/main" id="{A457BCE3-99EB-4323-A275-C8085F28B912}"/>
               </a:ext>
             </a:extLst>
           </p:cNvPr>
@@ -5282,7 +5282,7 @@
           <p:cNvPr id="8" name="Picture 7">
             <a:extLst>
               <a:ext uri="{FF2B5EF4-FFF2-40B4-BE49-F238E27FC236}">
-                <a16:creationId xmlns:a16="http://schemas.microsoft.com/office/drawing/2014/main" xmlns="" id="{06DF5910-A725-45C4-AE15-468EC2B1F611}"/>
+                <a16:creationId xmlns="" xmlns:a16="http://schemas.microsoft.com/office/drawing/2014/main" id="{06DF5910-A725-45C4-AE15-468EC2B1F611}"/>
               </a:ext>
             </a:extLst>
           </p:cNvPr>
@@ -5312,7 +5312,7 @@
           <p:cNvPr id="10" name="Picture 9">
             <a:extLst>
               <a:ext uri="{FF2B5EF4-FFF2-40B4-BE49-F238E27FC236}">
-                <a16:creationId xmlns:a16="http://schemas.microsoft.com/office/drawing/2014/main" xmlns="" id="{E2F97347-3CE1-40E8-998A-5AE6A3C0B505}"/>
+                <a16:creationId xmlns="" xmlns:a16="http://schemas.microsoft.com/office/drawing/2014/main" id="{E2F97347-3CE1-40E8-998A-5AE6A3C0B505}"/>
               </a:ext>
             </a:extLst>
           </p:cNvPr>
@@ -5342,7 +5342,7 @@
           <p:cNvPr id="12" name="Picture 11">
             <a:extLst>
               <a:ext uri="{FF2B5EF4-FFF2-40B4-BE49-F238E27FC236}">
-                <a16:creationId xmlns:a16="http://schemas.microsoft.com/office/drawing/2014/main" xmlns="" id="{747686DC-E0EE-4B66-91B5-2E302C5335FD}"/>
+                <a16:creationId xmlns="" xmlns:a16="http://schemas.microsoft.com/office/drawing/2014/main" id="{747686DC-E0EE-4B66-91B5-2E302C5335FD}"/>
               </a:ext>
             </a:extLst>
           </p:cNvPr>
@@ -5372,7 +5372,7 @@
           <p:cNvPr id="14" name="Picture 13">
             <a:extLst>
               <a:ext uri="{FF2B5EF4-FFF2-40B4-BE49-F238E27FC236}">
-                <a16:creationId xmlns:a16="http://schemas.microsoft.com/office/drawing/2014/main" xmlns="" id="{D75E8BAA-88BE-497B-ADB6-F7BD327977B7}"/>
+                <a16:creationId xmlns="" xmlns:a16="http://schemas.microsoft.com/office/drawing/2014/main" id="{D75E8BAA-88BE-497B-ADB6-F7BD327977B7}"/>
               </a:ext>
             </a:extLst>
           </p:cNvPr>
@@ -5402,7 +5402,7 @@
           <p:cNvPr id="16" name="Picture 15">
             <a:extLst>
               <a:ext uri="{FF2B5EF4-FFF2-40B4-BE49-F238E27FC236}">
-                <a16:creationId xmlns:a16="http://schemas.microsoft.com/office/drawing/2014/main" xmlns="" id="{8413762C-3AA6-4E09-B91D-446B0EFFDD61}"/>
+                <a16:creationId xmlns="" xmlns:a16="http://schemas.microsoft.com/office/drawing/2014/main" id="{8413762C-3AA6-4E09-B91D-446B0EFFDD61}"/>
               </a:ext>
             </a:extLst>
           </p:cNvPr>
@@ -5521,7 +5521,7 @@
           <p:cNvPr id="5" name="Picture 4">
             <a:extLst>
               <a:ext uri="{FF2B5EF4-FFF2-40B4-BE49-F238E27FC236}">
-                <a16:creationId xmlns:a16="http://schemas.microsoft.com/office/drawing/2014/main" xmlns="" id="{1C19F4AC-ED12-4A26-B469-DBF032E06E9E}"/>
+                <a16:creationId xmlns="" xmlns:a16="http://schemas.microsoft.com/office/drawing/2014/main" id="{1C19F4AC-ED12-4A26-B469-DBF032E06E9E}"/>
               </a:ext>
             </a:extLst>
           </p:cNvPr>
@@ -5589,7 +5589,7 @@
           <p:cNvPr id="2" name="Title 1">
             <a:extLst>
               <a:ext uri="{FF2B5EF4-FFF2-40B4-BE49-F238E27FC236}">
-                <a16:creationId xmlns:a16="http://schemas.microsoft.com/office/drawing/2014/main" xmlns="" id="{F671E4CC-E3B3-4B6A-ABB0-88D976BF86DD}"/>
+                <a16:creationId xmlns="" xmlns:a16="http://schemas.microsoft.com/office/drawing/2014/main" id="{F671E4CC-E3B3-4B6A-ABB0-88D976BF86DD}"/>
               </a:ext>
             </a:extLst>
           </p:cNvPr>
@@ -5622,7 +5622,7 @@
           <p:cNvPr id="4" name="Slide Number Placeholder 3">
             <a:extLst>
               <a:ext uri="{FF2B5EF4-FFF2-40B4-BE49-F238E27FC236}">
-                <a16:creationId xmlns:a16="http://schemas.microsoft.com/office/drawing/2014/main" xmlns="" id="{C75131EE-B8AE-4F83-81CB-B39D9743C6B5}"/>
+                <a16:creationId xmlns="" xmlns:a16="http://schemas.microsoft.com/office/drawing/2014/main" id="{C75131EE-B8AE-4F83-81CB-B39D9743C6B5}"/>
               </a:ext>
             </a:extLst>
           </p:cNvPr>
@@ -5652,7 +5652,7 @@
           <p:cNvPr id="6" name="Picture 5">
             <a:extLst>
               <a:ext uri="{FF2B5EF4-FFF2-40B4-BE49-F238E27FC236}">
-                <a16:creationId xmlns:a16="http://schemas.microsoft.com/office/drawing/2014/main" xmlns="" id="{EAB7A5A3-217D-44B7-8B15-2E287114D567}"/>
+                <a16:creationId xmlns="" xmlns:a16="http://schemas.microsoft.com/office/drawing/2014/main" id="{EAB7A5A3-217D-44B7-8B15-2E287114D567}"/>
               </a:ext>
             </a:extLst>
           </p:cNvPr>
@@ -5928,7 +5928,7 @@
           <p:cNvPr id="5" name="Picture 4">
             <a:extLst>
               <a:ext uri="{FF2B5EF4-FFF2-40B4-BE49-F238E27FC236}">
-                <a16:creationId xmlns:a16="http://schemas.microsoft.com/office/drawing/2014/main" xmlns="" id="{FE1B3E04-488C-4EFD-AF1D-FAE81D0AAA94}"/>
+                <a16:creationId xmlns="" xmlns:a16="http://schemas.microsoft.com/office/drawing/2014/main" id="{FE1B3E04-488C-4EFD-AF1D-FAE81D0AAA94}"/>
               </a:ext>
             </a:extLst>
           </p:cNvPr>
@@ -5958,7 +5958,7 @@
           <p:cNvPr id="7" name="Picture 6">
             <a:extLst>
               <a:ext uri="{FF2B5EF4-FFF2-40B4-BE49-F238E27FC236}">
-                <a16:creationId xmlns:a16="http://schemas.microsoft.com/office/drawing/2014/main" xmlns="" id="{C52FC8A3-B953-4E75-A84E-C91F8CC16072}"/>
+                <a16:creationId xmlns="" xmlns:a16="http://schemas.microsoft.com/office/drawing/2014/main" id="{C52FC8A3-B953-4E75-A84E-C91F8CC16072}"/>
               </a:ext>
             </a:extLst>
           </p:cNvPr>
@@ -6042,11 +6042,7 @@
             </a:r>
             <a:r>
               <a:rPr lang="en-US" dirty="0" smtClean="0"/>
-              <a:t>Elimination</a:t>
-            </a:r>
-            <a:r>
-              <a:rPr lang="en-US" dirty="0" smtClean="0"/>
-              <a:t> </a:t>
+              <a:t>Elimination </a:t>
             </a:r>
             <a:r>
               <a:rPr lang="en-US" dirty="0"/>
@@ -6083,7 +6079,7 @@
           <p:cNvPr id="6" name="Picture 5">
             <a:extLst>
               <a:ext uri="{FF2B5EF4-FFF2-40B4-BE49-F238E27FC236}">
-                <a16:creationId xmlns:a16="http://schemas.microsoft.com/office/drawing/2014/main" xmlns="" id="{94187387-496A-4E33-9976-282EBBA00173}"/>
+                <a16:creationId xmlns="" xmlns:a16="http://schemas.microsoft.com/office/drawing/2014/main" id="{94187387-496A-4E33-9976-282EBBA00173}"/>
               </a:ext>
             </a:extLst>
           </p:cNvPr>
@@ -6197,7 +6193,7 @@
           <p:cNvPr id="5" name="Picture 4">
             <a:extLst>
               <a:ext uri="{FF2B5EF4-FFF2-40B4-BE49-F238E27FC236}">
-                <a16:creationId xmlns:a16="http://schemas.microsoft.com/office/drawing/2014/main" xmlns="" id="{E5B13E9B-495B-4E3A-B337-35A9A6E1E61E}"/>
+                <a16:creationId xmlns="" xmlns:a16="http://schemas.microsoft.com/office/drawing/2014/main" id="{E5B13E9B-495B-4E3A-B337-35A9A6E1E61E}"/>
               </a:ext>
             </a:extLst>
           </p:cNvPr>
@@ -6227,7 +6223,7 @@
           <p:cNvPr id="6" name="Picture 5">
             <a:extLst>
               <a:ext uri="{FF2B5EF4-FFF2-40B4-BE49-F238E27FC236}">
-                <a16:creationId xmlns:a16="http://schemas.microsoft.com/office/drawing/2014/main" xmlns="" id="{3F7B44F8-0515-439E-9AD9-1C94DFDEEAA9}"/>
+                <a16:creationId xmlns="" xmlns:a16="http://schemas.microsoft.com/office/drawing/2014/main" id="{3F7B44F8-0515-439E-9AD9-1C94DFDEEAA9}"/>
               </a:ext>
             </a:extLst>
           </p:cNvPr>
@@ -6295,7 +6291,7 @@
           <p:cNvPr id="2" name="Title 1">
             <a:extLst>
               <a:ext uri="{FF2B5EF4-FFF2-40B4-BE49-F238E27FC236}">
-                <a16:creationId xmlns:a16="http://schemas.microsoft.com/office/drawing/2014/main" xmlns="" id="{D2DF04D8-3233-4516-A1F8-37E8FDCBD220}"/>
+                <a16:creationId xmlns="" xmlns:a16="http://schemas.microsoft.com/office/drawing/2014/main" id="{D2DF04D8-3233-4516-A1F8-37E8FDCBD220}"/>
               </a:ext>
             </a:extLst>
           </p:cNvPr>
@@ -6327,11 +6323,7 @@
             </a:r>
             <a:r>
               <a:rPr lang="en-US" dirty="0" smtClean="0"/>
-              <a:t> and </a:t>
-            </a:r>
-            <a:r>
-              <a:rPr lang="en-US" dirty="0" smtClean="0"/>
-              <a:t>Education Field</a:t>
+              <a:t> and Education Field</a:t>
             </a:r>
             <a:endParaRPr lang="en-US" dirty="0"/>
           </a:p>
@@ -6342,7 +6334,7 @@
           <p:cNvPr id="4" name="Slide Number Placeholder 3">
             <a:extLst>
               <a:ext uri="{FF2B5EF4-FFF2-40B4-BE49-F238E27FC236}">
-                <a16:creationId xmlns:a16="http://schemas.microsoft.com/office/drawing/2014/main" xmlns="" id="{D445F6C0-644C-4AA7-8CAE-A51ECBDA32DD}"/>
+                <a16:creationId xmlns="" xmlns:a16="http://schemas.microsoft.com/office/drawing/2014/main" id="{D445F6C0-644C-4AA7-8CAE-A51ECBDA32DD}"/>
               </a:ext>
             </a:extLst>
           </p:cNvPr>
@@ -6372,7 +6364,7 @@
           <p:cNvPr id="5" name="Picture 4">
             <a:extLst>
               <a:ext uri="{FF2B5EF4-FFF2-40B4-BE49-F238E27FC236}">
-                <a16:creationId xmlns:a16="http://schemas.microsoft.com/office/drawing/2014/main" xmlns="" id="{A65F0FE7-5EFD-4243-A68E-8F8421989C5C}"/>
+                <a16:creationId xmlns="" xmlns:a16="http://schemas.microsoft.com/office/drawing/2014/main" id="{A65F0FE7-5EFD-4243-A68E-8F8421989C5C}"/>
               </a:ext>
             </a:extLst>
           </p:cNvPr>
@@ -6440,7 +6432,7 @@
           <p:cNvPr id="2" name="Title 1">
             <a:extLst>
               <a:ext uri="{FF2B5EF4-FFF2-40B4-BE49-F238E27FC236}">
-                <a16:creationId xmlns:a16="http://schemas.microsoft.com/office/drawing/2014/main" xmlns="" id="{63F69F7B-C24B-49A3-ACA5-10D3F7D0EC47}"/>
+                <a16:creationId xmlns="" xmlns:a16="http://schemas.microsoft.com/office/drawing/2014/main" id="{63F69F7B-C24B-49A3-ACA5-10D3F7D0EC47}"/>
               </a:ext>
             </a:extLst>
           </p:cNvPr>
@@ -6473,7 +6465,7 @@
           <p:cNvPr id="4" name="Slide Number Placeholder 3">
             <a:extLst>
               <a:ext uri="{FF2B5EF4-FFF2-40B4-BE49-F238E27FC236}">
-                <a16:creationId xmlns:a16="http://schemas.microsoft.com/office/drawing/2014/main" xmlns="" id="{851B356C-5D41-4AE1-B87F-D9F64C0254D3}"/>
+                <a16:creationId xmlns="" xmlns:a16="http://schemas.microsoft.com/office/drawing/2014/main" id="{851B356C-5D41-4AE1-B87F-D9F64C0254D3}"/>
               </a:ext>
             </a:extLst>
           </p:cNvPr>
@@ -6503,7 +6495,7 @@
           <p:cNvPr id="5" name="Picture 4">
             <a:extLst>
               <a:ext uri="{FF2B5EF4-FFF2-40B4-BE49-F238E27FC236}">
-                <a16:creationId xmlns:a16="http://schemas.microsoft.com/office/drawing/2014/main" xmlns="" id="{22EB2C25-B289-419C-B1C0-C67027535803}"/>
+                <a16:creationId xmlns="" xmlns:a16="http://schemas.microsoft.com/office/drawing/2014/main" id="{22EB2C25-B289-419C-B1C0-C67027535803}"/>
               </a:ext>
             </a:extLst>
           </p:cNvPr>
@@ -6616,7 +6608,7 @@
           <p:cNvPr id="5" name="Picture 4">
             <a:extLst>
               <a:ext uri="{FF2B5EF4-FFF2-40B4-BE49-F238E27FC236}">
-                <a16:creationId xmlns:a16="http://schemas.microsoft.com/office/drawing/2014/main" xmlns="" id="{9EE88F18-DDB2-4868-9F17-A6ADDED73E6D}"/>
+                <a16:creationId xmlns="" xmlns:a16="http://schemas.microsoft.com/office/drawing/2014/main" id="{9EE88F18-DDB2-4868-9F17-A6ADDED73E6D}"/>
               </a:ext>
             </a:extLst>
           </p:cNvPr>
@@ -6646,7 +6638,7 @@
           <p:cNvPr id="6" name="Arrow: Right 5">
             <a:extLst>
               <a:ext uri="{FF2B5EF4-FFF2-40B4-BE49-F238E27FC236}">
-                <a16:creationId xmlns:a16="http://schemas.microsoft.com/office/drawing/2014/main" xmlns="" id="{D3AB38C5-C53B-45EC-BF20-EC993E4E7B4C}"/>
+                <a16:creationId xmlns="" xmlns:a16="http://schemas.microsoft.com/office/drawing/2014/main" id="{D3AB38C5-C53B-45EC-BF20-EC993E4E7B4C}"/>
               </a:ext>
             </a:extLst>
           </p:cNvPr>
@@ -6695,7 +6687,7 @@
           <p:cNvPr id="7" name="Arrow: Right 6">
             <a:extLst>
               <a:ext uri="{FF2B5EF4-FFF2-40B4-BE49-F238E27FC236}">
-                <a16:creationId xmlns:a16="http://schemas.microsoft.com/office/drawing/2014/main" xmlns="" id="{A07E458E-D1E7-4A4A-A64B-B220C9D3AFB6}"/>
+                <a16:creationId xmlns="" xmlns:a16="http://schemas.microsoft.com/office/drawing/2014/main" id="{A07E458E-D1E7-4A4A-A64B-B220C9D3AFB6}"/>
               </a:ext>
             </a:extLst>
           </p:cNvPr>
@@ -6744,7 +6736,7 @@
           <p:cNvPr id="8" name="Rectangle 7">
             <a:extLst>
               <a:ext uri="{FF2B5EF4-FFF2-40B4-BE49-F238E27FC236}">
-                <a16:creationId xmlns:a16="http://schemas.microsoft.com/office/drawing/2014/main" xmlns="" id="{1412B516-22FB-4AFA-B70C-6A6969023FC5}"/>
+                <a16:creationId xmlns="" xmlns:a16="http://schemas.microsoft.com/office/drawing/2014/main" id="{1412B516-22FB-4AFA-B70C-6A6969023FC5}"/>
               </a:ext>
             </a:extLst>
           </p:cNvPr>
@@ -6956,7 +6948,7 @@
           <p:cNvPr id="2" name="Title 1">
             <a:extLst>
               <a:ext uri="{FF2B5EF4-FFF2-40B4-BE49-F238E27FC236}">
-                <a16:creationId xmlns:a16="http://schemas.microsoft.com/office/drawing/2014/main" xmlns="" id="{C5D36AD1-E9E4-4A0A-BEED-BB08C79C099A}"/>
+                <a16:creationId xmlns="" xmlns:a16="http://schemas.microsoft.com/office/drawing/2014/main" id="{C5D36AD1-E9E4-4A0A-BEED-BB08C79C099A}"/>
               </a:ext>
             </a:extLst>
           </p:cNvPr>
@@ -6984,7 +6976,7 @@
           <p:cNvPr id="4" name="Slide Number Placeholder 3">
             <a:extLst>
               <a:ext uri="{FF2B5EF4-FFF2-40B4-BE49-F238E27FC236}">
-                <a16:creationId xmlns:a16="http://schemas.microsoft.com/office/drawing/2014/main" xmlns="" id="{F1DF75B2-4C0D-48AA-B72F-65242DD5ACEB}"/>
+                <a16:creationId xmlns="" xmlns:a16="http://schemas.microsoft.com/office/drawing/2014/main" id="{F1DF75B2-4C0D-48AA-B72F-65242DD5ACEB}"/>
               </a:ext>
             </a:extLst>
           </p:cNvPr>
@@ -7014,7 +7006,7 @@
           <p:cNvPr id="6" name="Picture 5">
             <a:extLst>
               <a:ext uri="{FF2B5EF4-FFF2-40B4-BE49-F238E27FC236}">
-                <a16:creationId xmlns:a16="http://schemas.microsoft.com/office/drawing/2014/main" xmlns="" id="{A7B338B7-DDF3-4DEA-86F5-FF8756A044D5}"/>
+                <a16:creationId xmlns="" xmlns:a16="http://schemas.microsoft.com/office/drawing/2014/main" id="{A7B338B7-DDF3-4DEA-86F5-FF8756A044D5}"/>
               </a:ext>
             </a:extLst>
           </p:cNvPr>
@@ -7044,7 +7036,7 @@
           <p:cNvPr id="7" name="Picture 6">
             <a:extLst>
               <a:ext uri="{FF2B5EF4-FFF2-40B4-BE49-F238E27FC236}">
-                <a16:creationId xmlns:a16="http://schemas.microsoft.com/office/drawing/2014/main" xmlns="" id="{FF62943E-EDA6-47C0-BAD5-A536F26843E2}"/>
+                <a16:creationId xmlns="" xmlns:a16="http://schemas.microsoft.com/office/drawing/2014/main" id="{FF62943E-EDA6-47C0-BAD5-A536F26843E2}"/>
               </a:ext>
             </a:extLst>
           </p:cNvPr>
@@ -7074,7 +7066,7 @@
           <p:cNvPr id="8" name="Arrow: Right 7">
             <a:extLst>
               <a:ext uri="{FF2B5EF4-FFF2-40B4-BE49-F238E27FC236}">
-                <a16:creationId xmlns:a16="http://schemas.microsoft.com/office/drawing/2014/main" xmlns="" id="{9769F50E-E2F8-4285-AE95-E9284F1EB50D}"/>
+                <a16:creationId xmlns="" xmlns:a16="http://schemas.microsoft.com/office/drawing/2014/main" id="{9769F50E-E2F8-4285-AE95-E9284F1EB50D}"/>
               </a:ext>
             </a:extLst>
           </p:cNvPr>
@@ -7123,7 +7115,7 @@
           <p:cNvPr id="9" name="Arrow: Right 8">
             <a:extLst>
               <a:ext uri="{FF2B5EF4-FFF2-40B4-BE49-F238E27FC236}">
-                <a16:creationId xmlns:a16="http://schemas.microsoft.com/office/drawing/2014/main" xmlns="" id="{CB970237-4D33-465D-A024-2CF3C85AEBF7}"/>
+                <a16:creationId xmlns="" xmlns:a16="http://schemas.microsoft.com/office/drawing/2014/main" id="{CB970237-4D33-465D-A024-2CF3C85AEBF7}"/>
               </a:ext>
             </a:extLst>
           </p:cNvPr>
@@ -7172,7 +7164,7 @@
           <p:cNvPr id="10" name="Rectangle 9">
             <a:extLst>
               <a:ext uri="{FF2B5EF4-FFF2-40B4-BE49-F238E27FC236}">
-                <a16:creationId xmlns:a16="http://schemas.microsoft.com/office/drawing/2014/main" xmlns="" id="{94652B0C-33C2-4A34-BEA4-D81DF5671040}"/>
+                <a16:creationId xmlns="" xmlns:a16="http://schemas.microsoft.com/office/drawing/2014/main" id="{94652B0C-33C2-4A34-BEA4-D81DF5671040}"/>
               </a:ext>
             </a:extLst>
           </p:cNvPr>
@@ -7440,7 +7432,7 @@
           <p:cNvPr id="5" name="Picture 4">
             <a:extLst>
               <a:ext uri="{FF2B5EF4-FFF2-40B4-BE49-F238E27FC236}">
-                <a16:creationId xmlns:a16="http://schemas.microsoft.com/office/drawing/2014/main" xmlns="" id="{2626B96D-415A-41B5-BDCE-8C19DA6E2B6C}"/>
+                <a16:creationId xmlns="" xmlns:a16="http://schemas.microsoft.com/office/drawing/2014/main" id="{2626B96D-415A-41B5-BDCE-8C19DA6E2B6C}"/>
               </a:ext>
             </a:extLst>
           </p:cNvPr>
@@ -7864,35 +7856,6 @@
           </a:p>
         </p:txBody>
       </p:sp>
-      <p:pic>
-        <p:nvPicPr>
-          <p:cNvPr id="6" name="Content Placeholder 5">
-            <a:extLst>
-              <a:ext uri="{FF2B5EF4-FFF2-40B4-BE49-F238E27FC236}">
-                <a16:creationId xmlns:a16="http://schemas.microsoft.com/office/drawing/2014/main" xmlns="" id="{440495A0-62B0-40D0-8077-D9F6F32797DD}"/>
-              </a:ext>
-            </a:extLst>
-          </p:cNvPr>
-          <p:cNvPicPr>
-            <a:picLocks noGrp="1" noChangeAspect="1"/>
-          </p:cNvPicPr>
-          <p:nvPr>
-            <p:ph idx="1"/>
-          </p:nvPr>
-        </p:nvPicPr>
-        <p:blipFill>
-          <a:blip r:embed="rId2"/>
-          <a:stretch>
-            <a:fillRect/>
-          </a:stretch>
-        </p:blipFill>
-        <p:spPr>
-          <a:xfrm>
-            <a:off x="1526063" y="1825625"/>
-            <a:ext cx="6091873" cy="4351338"/>
-          </a:xfrm>
-        </p:spPr>
-      </p:pic>
       <p:sp>
         <p:nvSpPr>
           <p:cNvPr id="4" name="Slide Number Placeholder 3"/>
@@ -7916,6 +7879,60 @@
           </a:p>
         </p:txBody>
       </p:sp>
+      <p:pic>
+        <p:nvPicPr>
+          <p:cNvPr id="1026" name="Picture 2"/>
+          <p:cNvPicPr>
+            <a:picLocks noChangeAspect="1" noChangeArrowheads="1"/>
+          </p:cNvPicPr>
+          <p:nvPr/>
+        </p:nvPicPr>
+        <p:blipFill>
+          <a:blip r:embed="rId2">
+            <a:extLst>
+              <a:ext uri="{28A0092B-C50C-407E-A947-70E740481C1C}">
+                <a14:useLocalDpi xmlns:a14="http://schemas.microsoft.com/office/drawing/2010/main" val="0"/>
+              </a:ext>
+            </a:extLst>
+          </a:blip>
+          <a:srcRect/>
+          <a:stretch>
+            <a:fillRect/>
+          </a:stretch>
+        </p:blipFill>
+        <p:spPr bwMode="auto">
+          <a:xfrm>
+            <a:off x="1193009" y="2103930"/>
+            <a:ext cx="6045991" cy="3731960"/>
+          </a:xfrm>
+          <a:prstGeom prst="rect">
+            <a:avLst/>
+          </a:prstGeom>
+          <a:noFill/>
+          <a:ln>
+            <a:noFill/>
+          </a:ln>
+          <a:extLst>
+            <a:ext uri="{909E8E84-426E-40DD-AFC4-6F175D3DCCD1}">
+              <a14:hiddenFill xmlns:a14="http://schemas.microsoft.com/office/drawing/2010/main">
+                <a:solidFill>
+                  <a:schemeClr val="accent1"/>
+                </a:solidFill>
+              </a14:hiddenFill>
+            </a:ext>
+            <a:ext uri="{91240B29-F687-4F45-9708-019B960494DF}">
+              <a14:hiddenLine xmlns:a14="http://schemas.microsoft.com/office/drawing/2010/main" w="9525">
+                <a:solidFill>
+                  <a:schemeClr val="tx1"/>
+                </a:solidFill>
+                <a:miter lim="800000"/>
+                <a:headEnd/>
+                <a:tailEnd/>
+              </a14:hiddenLine>
+            </a:ext>
+          </a:extLst>
+        </p:spPr>
+      </p:pic>
     </p:spTree>
     <p:extLst>
       <p:ext uri="{BB962C8B-B14F-4D97-AF65-F5344CB8AC3E}">
@@ -7976,35 +7993,6 @@
           </a:p>
         </p:txBody>
       </p:sp>
-      <p:pic>
-        <p:nvPicPr>
-          <p:cNvPr id="6" name="Content Placeholder 5">
-            <a:extLst>
-              <a:ext uri="{FF2B5EF4-FFF2-40B4-BE49-F238E27FC236}">
-                <a16:creationId xmlns:a16="http://schemas.microsoft.com/office/drawing/2014/main" xmlns="" id="{403B797C-165E-48A3-AFEC-A8BB56CCEDAE}"/>
-              </a:ext>
-            </a:extLst>
-          </p:cNvPr>
-          <p:cNvPicPr>
-            <a:picLocks noGrp="1" noChangeAspect="1"/>
-          </p:cNvPicPr>
-          <p:nvPr>
-            <p:ph idx="1"/>
-          </p:nvPr>
-        </p:nvPicPr>
-        <p:blipFill>
-          <a:blip r:embed="rId2"/>
-          <a:stretch>
-            <a:fillRect/>
-          </a:stretch>
-        </p:blipFill>
-        <p:spPr>
-          <a:xfrm>
-            <a:off x="1526063" y="1825625"/>
-            <a:ext cx="6091873" cy="4351338"/>
-          </a:xfrm>
-        </p:spPr>
-      </p:pic>
       <p:sp>
         <p:nvSpPr>
           <p:cNvPr id="4" name="Slide Number Placeholder 3"/>
@@ -8028,6 +8016,60 @@
           </a:p>
         </p:txBody>
       </p:sp>
+      <p:pic>
+        <p:nvPicPr>
+          <p:cNvPr id="2050" name="Picture 2"/>
+          <p:cNvPicPr>
+            <a:picLocks noChangeAspect="1" noChangeArrowheads="1"/>
+          </p:cNvPicPr>
+          <p:nvPr/>
+        </p:nvPicPr>
+        <p:blipFill>
+          <a:blip r:embed="rId2">
+            <a:extLst>
+              <a:ext uri="{28A0092B-C50C-407E-A947-70E740481C1C}">
+                <a14:useLocalDpi xmlns:a14="http://schemas.microsoft.com/office/drawing/2010/main" val="0"/>
+              </a:ext>
+            </a:extLst>
+          </a:blip>
+          <a:srcRect/>
+          <a:stretch>
+            <a:fillRect/>
+          </a:stretch>
+        </p:blipFill>
+        <p:spPr bwMode="auto">
+          <a:xfrm>
+            <a:off x="1436729" y="2006824"/>
+            <a:ext cx="6360621" cy="3926169"/>
+          </a:xfrm>
+          <a:prstGeom prst="rect">
+            <a:avLst/>
+          </a:prstGeom>
+          <a:noFill/>
+          <a:ln>
+            <a:noFill/>
+          </a:ln>
+          <a:extLst>
+            <a:ext uri="{909E8E84-426E-40DD-AFC4-6F175D3DCCD1}">
+              <a14:hiddenFill xmlns:a14="http://schemas.microsoft.com/office/drawing/2010/main">
+                <a:solidFill>
+                  <a:schemeClr val="accent1"/>
+                </a:solidFill>
+              </a14:hiddenFill>
+            </a:ext>
+            <a:ext uri="{91240B29-F687-4F45-9708-019B960494DF}">
+              <a14:hiddenLine xmlns:a14="http://schemas.microsoft.com/office/drawing/2010/main" w="9525">
+                <a:solidFill>
+                  <a:schemeClr val="tx1"/>
+                </a:solidFill>
+                <a:miter lim="800000"/>
+                <a:headEnd/>
+                <a:tailEnd/>
+              </a14:hiddenLine>
+            </a:ext>
+          </a:extLst>
+        </p:spPr>
+      </p:pic>
     </p:spTree>
     <p:extLst>
       <p:ext uri="{BB962C8B-B14F-4D97-AF65-F5344CB8AC3E}">
@@ -8071,7 +8113,7 @@
           <p:cNvPr id="2" name="Title 1">
             <a:extLst>
               <a:ext uri="{FF2B5EF4-FFF2-40B4-BE49-F238E27FC236}">
-                <a16:creationId xmlns:a16="http://schemas.microsoft.com/office/drawing/2014/main" xmlns="" id="{56763635-3EAC-4739-93CD-AD9773055F20}"/>
+                <a16:creationId xmlns="" xmlns:a16="http://schemas.microsoft.com/office/drawing/2014/main" id="{56763635-3EAC-4739-93CD-AD9773055F20}"/>
               </a:ext>
             </a:extLst>
           </p:cNvPr>
@@ -8103,7 +8145,7 @@
           <p:cNvPr id="6" name="Content Placeholder 5">
             <a:extLst>
               <a:ext uri="{FF2B5EF4-FFF2-40B4-BE49-F238E27FC236}">
-                <a16:creationId xmlns:a16="http://schemas.microsoft.com/office/drawing/2014/main" xmlns="" id="{D5D85077-E198-4963-B3A1-CC633D28CDAC}"/>
+                <a16:creationId xmlns="" xmlns:a16="http://schemas.microsoft.com/office/drawing/2014/main" id="{D5D85077-E198-4963-B3A1-CC633D28CDAC}"/>
               </a:ext>
             </a:extLst>
           </p:cNvPr>
@@ -8132,7 +8174,7 @@
           <p:cNvPr id="4" name="Slide Number Placeholder 3">
             <a:extLst>
               <a:ext uri="{FF2B5EF4-FFF2-40B4-BE49-F238E27FC236}">
-                <a16:creationId xmlns:a16="http://schemas.microsoft.com/office/drawing/2014/main" xmlns="" id="{9B8182FC-92FE-443B-B9FE-0D540CF501F8}"/>
+                <a16:creationId xmlns="" xmlns:a16="http://schemas.microsoft.com/office/drawing/2014/main" id="{9B8182FC-92FE-443B-B9FE-0D540CF501F8}"/>
               </a:ext>
             </a:extLst>
           </p:cNvPr>
@@ -8200,7 +8242,7 @@
           <p:cNvPr id="2" name="Title 1">
             <a:extLst>
               <a:ext uri="{FF2B5EF4-FFF2-40B4-BE49-F238E27FC236}">
-                <a16:creationId xmlns:a16="http://schemas.microsoft.com/office/drawing/2014/main" xmlns="" id="{56763635-3EAC-4739-93CD-AD9773055F20}"/>
+                <a16:creationId xmlns="" xmlns:a16="http://schemas.microsoft.com/office/drawing/2014/main" id="{56763635-3EAC-4739-93CD-AD9773055F20}"/>
               </a:ext>
             </a:extLst>
           </p:cNvPr>
@@ -8237,7 +8279,7 @@
           <p:cNvPr id="4" name="Slide Number Placeholder 3">
             <a:extLst>
               <a:ext uri="{FF2B5EF4-FFF2-40B4-BE49-F238E27FC236}">
-                <a16:creationId xmlns:a16="http://schemas.microsoft.com/office/drawing/2014/main" xmlns="" id="{9B8182FC-92FE-443B-B9FE-0D540CF501F8}"/>
+                <a16:creationId xmlns="" xmlns:a16="http://schemas.microsoft.com/office/drawing/2014/main" id="{9B8182FC-92FE-443B-B9FE-0D540CF501F8}"/>
               </a:ext>
             </a:extLst>
           </p:cNvPr>
@@ -8267,7 +8309,7 @@
           <p:cNvPr id="8" name="Content Placeholder 7">
             <a:extLst>
               <a:ext uri="{FF2B5EF4-FFF2-40B4-BE49-F238E27FC236}">
-                <a16:creationId xmlns:a16="http://schemas.microsoft.com/office/drawing/2014/main" xmlns="" id="{1244141C-6CC0-4F21-A2FA-E2C3F7072D01}"/>
+                <a16:creationId xmlns="" xmlns:a16="http://schemas.microsoft.com/office/drawing/2014/main" id="{1244141C-6CC0-4F21-A2FA-E2C3F7072D01}"/>
               </a:ext>
             </a:extLst>
           </p:cNvPr>
@@ -8334,7 +8376,7 @@
           <p:cNvPr id="2" name="Title 1">
             <a:extLst>
               <a:ext uri="{FF2B5EF4-FFF2-40B4-BE49-F238E27FC236}">
-                <a16:creationId xmlns:a16="http://schemas.microsoft.com/office/drawing/2014/main" xmlns="" id="{66ACD699-B881-4C1A-A32B-3A81ACB6EE1B}"/>
+                <a16:creationId xmlns="" xmlns:a16="http://schemas.microsoft.com/office/drawing/2014/main" id="{66ACD699-B881-4C1A-A32B-3A81ACB6EE1B}"/>
               </a:ext>
             </a:extLst>
           </p:cNvPr>
@@ -8362,7 +8404,7 @@
           <p:cNvPr id="6" name="Content Placeholder 5">
             <a:extLst>
               <a:ext uri="{FF2B5EF4-FFF2-40B4-BE49-F238E27FC236}">
-                <a16:creationId xmlns:a16="http://schemas.microsoft.com/office/drawing/2014/main" xmlns="" id="{8BA19C1E-19E2-4B8C-BB7B-64491AE6DCA3}"/>
+                <a16:creationId xmlns="" xmlns:a16="http://schemas.microsoft.com/office/drawing/2014/main" id="{8BA19C1E-19E2-4B8C-BB7B-64491AE6DCA3}"/>
               </a:ext>
             </a:extLst>
           </p:cNvPr>
@@ -8391,7 +8433,7 @@
           <p:cNvPr id="4" name="Slide Number Placeholder 3">
             <a:extLst>
               <a:ext uri="{FF2B5EF4-FFF2-40B4-BE49-F238E27FC236}">
-                <a16:creationId xmlns:a16="http://schemas.microsoft.com/office/drawing/2014/main" xmlns="" id="{CB13383B-AFC2-4DAC-8B14-A2FD504CAA8A}"/>
+                <a16:creationId xmlns="" xmlns:a16="http://schemas.microsoft.com/office/drawing/2014/main" id="{CB13383B-AFC2-4DAC-8B14-A2FD504CAA8A}"/>
               </a:ext>
             </a:extLst>
           </p:cNvPr>
@@ -9117,7 +9159,7 @@
           <p:cNvPr id="2" name="Title 1">
             <a:extLst>
               <a:ext uri="{FF2B5EF4-FFF2-40B4-BE49-F238E27FC236}">
-                <a16:creationId xmlns:a16="http://schemas.microsoft.com/office/drawing/2014/main" xmlns="" id="{CA951C4B-4D53-4EEC-B10F-7A494D01874A}"/>
+                <a16:creationId xmlns="" xmlns:a16="http://schemas.microsoft.com/office/drawing/2014/main" id="{CA951C4B-4D53-4EEC-B10F-7A494D01874A}"/>
               </a:ext>
             </a:extLst>
           </p:cNvPr>
@@ -9145,7 +9187,7 @@
           <p:cNvPr id="3" name="Content Placeholder 2">
             <a:extLst>
               <a:ext uri="{FF2B5EF4-FFF2-40B4-BE49-F238E27FC236}">
-                <a16:creationId xmlns:a16="http://schemas.microsoft.com/office/drawing/2014/main" xmlns="" id="{CE57D184-78B9-4A0A-968C-7F54F433A51F}"/>
+                <a16:creationId xmlns="" xmlns:a16="http://schemas.microsoft.com/office/drawing/2014/main" id="{CE57D184-78B9-4A0A-968C-7F54F433A51F}"/>
               </a:ext>
             </a:extLst>
           </p:cNvPr>
@@ -9191,7 +9233,7 @@
           <p:cNvPr id="4" name="Slide Number Placeholder 3">
             <a:extLst>
               <a:ext uri="{FF2B5EF4-FFF2-40B4-BE49-F238E27FC236}">
-                <a16:creationId xmlns:a16="http://schemas.microsoft.com/office/drawing/2014/main" xmlns="" id="{F297D887-DA00-4366-B645-C394D6AFB4C9}"/>
+                <a16:creationId xmlns="" xmlns:a16="http://schemas.microsoft.com/office/drawing/2014/main" id="{F297D887-DA00-4366-B645-C394D6AFB4C9}"/>
               </a:ext>
             </a:extLst>
           </p:cNvPr>
@@ -9221,7 +9263,7 @@
           <p:cNvPr id="5" name="Rectangle 1">
             <a:extLst>
               <a:ext uri="{FF2B5EF4-FFF2-40B4-BE49-F238E27FC236}">
-                <a16:creationId xmlns:a16="http://schemas.microsoft.com/office/drawing/2014/main" xmlns="" id="{F2BF78C7-18D5-44BD-BFB8-F98F492A431C}"/>
+                <a16:creationId xmlns="" xmlns:a16="http://schemas.microsoft.com/office/drawing/2014/main" id="{F2BF78C7-18D5-44BD-BFB8-F98F492A431C}"/>
               </a:ext>
             </a:extLst>
           </p:cNvPr>
@@ -10089,7 +10131,7 @@
           <p:cNvPr id="5" name="Picture 4">
             <a:extLst>
               <a:ext uri="{FF2B5EF4-FFF2-40B4-BE49-F238E27FC236}">
-                <a16:creationId xmlns:a16="http://schemas.microsoft.com/office/drawing/2014/main" xmlns="" id="{7D25210D-3224-41DF-8F2B-22E8B3DE0EAE}"/>
+                <a16:creationId xmlns="" xmlns:a16="http://schemas.microsoft.com/office/drawing/2014/main" id="{7D25210D-3224-41DF-8F2B-22E8B3DE0EAE}"/>
               </a:ext>
             </a:extLst>
           </p:cNvPr>
@@ -10157,7 +10199,7 @@
           <p:cNvPr id="2" name="Title 1">
             <a:extLst>
               <a:ext uri="{FF2B5EF4-FFF2-40B4-BE49-F238E27FC236}">
-                <a16:creationId xmlns:a16="http://schemas.microsoft.com/office/drawing/2014/main" xmlns="" id="{FFCE6460-3F3E-4899-9BCF-0689EE723B35}"/>
+                <a16:creationId xmlns="" xmlns:a16="http://schemas.microsoft.com/office/drawing/2014/main" id="{FFCE6460-3F3E-4899-9BCF-0689EE723B35}"/>
               </a:ext>
             </a:extLst>
           </p:cNvPr>
@@ -10185,7 +10227,7 @@
           <p:cNvPr id="6" name="Content Placeholder 5">
             <a:extLst>
               <a:ext uri="{FF2B5EF4-FFF2-40B4-BE49-F238E27FC236}">
-                <a16:creationId xmlns:a16="http://schemas.microsoft.com/office/drawing/2014/main" xmlns="" id="{25109D1B-C79D-4F33-8E77-83FA08CD41A5}"/>
+                <a16:creationId xmlns="" xmlns:a16="http://schemas.microsoft.com/office/drawing/2014/main" id="{25109D1B-C79D-4F33-8E77-83FA08CD41A5}"/>
               </a:ext>
             </a:extLst>
           </p:cNvPr>
@@ -10214,7 +10256,7 @@
           <p:cNvPr id="4" name="Slide Number Placeholder 3">
             <a:extLst>
               <a:ext uri="{FF2B5EF4-FFF2-40B4-BE49-F238E27FC236}">
-                <a16:creationId xmlns:a16="http://schemas.microsoft.com/office/drawing/2014/main" xmlns="" id="{A6E6C38E-1550-4CBF-87A5-39EA80759E42}"/>
+                <a16:creationId xmlns="" xmlns:a16="http://schemas.microsoft.com/office/drawing/2014/main" id="{A6E6C38E-1550-4CBF-87A5-39EA80759E42}"/>
               </a:ext>
             </a:extLst>
           </p:cNvPr>
@@ -10244,7 +10286,7 @@
           <p:cNvPr id="8" name="Picture 7">
             <a:extLst>
               <a:ext uri="{FF2B5EF4-FFF2-40B4-BE49-F238E27FC236}">
-                <a16:creationId xmlns:a16="http://schemas.microsoft.com/office/drawing/2014/main" xmlns="" id="{AB56864C-4DF0-4783-A9BA-40195D87FC62}"/>
+                <a16:creationId xmlns="" xmlns:a16="http://schemas.microsoft.com/office/drawing/2014/main" id="{AB56864C-4DF0-4783-A9BA-40195D87FC62}"/>
               </a:ext>
             </a:extLst>
           </p:cNvPr>
@@ -10274,7 +10316,7 @@
           <p:cNvPr id="10" name="Picture 9">
             <a:extLst>
               <a:ext uri="{FF2B5EF4-FFF2-40B4-BE49-F238E27FC236}">
-                <a16:creationId xmlns:a16="http://schemas.microsoft.com/office/drawing/2014/main" xmlns="" id="{320B1A47-EE5C-4B52-BA87-8A4B66825204}"/>
+                <a16:creationId xmlns="" xmlns:a16="http://schemas.microsoft.com/office/drawing/2014/main" id="{320B1A47-EE5C-4B52-BA87-8A4B66825204}"/>
               </a:ext>
             </a:extLst>
           </p:cNvPr>
@@ -10304,7 +10346,7 @@
           <p:cNvPr id="12" name="Picture 11">
             <a:extLst>
               <a:ext uri="{FF2B5EF4-FFF2-40B4-BE49-F238E27FC236}">
-                <a16:creationId xmlns:a16="http://schemas.microsoft.com/office/drawing/2014/main" xmlns="" id="{C85B4CC8-A8B2-40A7-99FC-3118B0E1B610}"/>
+                <a16:creationId xmlns="" xmlns:a16="http://schemas.microsoft.com/office/drawing/2014/main" id="{C85B4CC8-A8B2-40A7-99FC-3118B0E1B610}"/>
               </a:ext>
             </a:extLst>
           </p:cNvPr>
@@ -10334,7 +10376,7 @@
           <p:cNvPr id="14" name="Picture 13">
             <a:extLst>
               <a:ext uri="{FF2B5EF4-FFF2-40B4-BE49-F238E27FC236}">
-                <a16:creationId xmlns:a16="http://schemas.microsoft.com/office/drawing/2014/main" xmlns="" id="{F9FB84FB-E6AE-408F-9216-92E4CF25164C}"/>
+                <a16:creationId xmlns="" xmlns:a16="http://schemas.microsoft.com/office/drawing/2014/main" id="{F9FB84FB-E6AE-408F-9216-92E4CF25164C}"/>
               </a:ext>
             </a:extLst>
           </p:cNvPr>
@@ -10364,7 +10406,7 @@
           <p:cNvPr id="16" name="Picture 15">
             <a:extLst>
               <a:ext uri="{FF2B5EF4-FFF2-40B4-BE49-F238E27FC236}">
-                <a16:creationId xmlns:a16="http://schemas.microsoft.com/office/drawing/2014/main" xmlns="" id="{97D91F18-0420-41B7-8EBA-9115348C2C5E}"/>
+                <a16:creationId xmlns="" xmlns:a16="http://schemas.microsoft.com/office/drawing/2014/main" id="{97D91F18-0420-41B7-8EBA-9115348C2C5E}"/>
               </a:ext>
             </a:extLst>
           </p:cNvPr>
@@ -10394,7 +10436,7 @@
           <p:cNvPr id="18" name="&quot;Not Allowed&quot; Symbol 17">
             <a:extLst>
               <a:ext uri="{FF2B5EF4-FFF2-40B4-BE49-F238E27FC236}">
-                <a16:creationId xmlns:a16="http://schemas.microsoft.com/office/drawing/2014/main" xmlns="" id="{EF58987F-BB27-4907-A8F5-410067043359}"/>
+                <a16:creationId xmlns="" xmlns:a16="http://schemas.microsoft.com/office/drawing/2014/main" id="{EF58987F-BB27-4907-A8F5-410067043359}"/>
               </a:ext>
             </a:extLst>
           </p:cNvPr>
@@ -10444,7 +10486,7 @@
           <p:cNvPr id="19" name="&quot;Not Allowed&quot; Symbol 18">
             <a:extLst>
               <a:ext uri="{FF2B5EF4-FFF2-40B4-BE49-F238E27FC236}">
-                <a16:creationId xmlns:a16="http://schemas.microsoft.com/office/drawing/2014/main" xmlns="" id="{E7C6B556-44DF-4762-8492-A0B345924863}"/>
+                <a16:creationId xmlns="" xmlns:a16="http://schemas.microsoft.com/office/drawing/2014/main" id="{E7C6B556-44DF-4762-8492-A0B345924863}"/>
               </a:ext>
             </a:extLst>
           </p:cNvPr>
@@ -10494,7 +10536,7 @@
           <p:cNvPr id="20" name="&quot;Not Allowed&quot; Symbol 19">
             <a:extLst>
               <a:ext uri="{FF2B5EF4-FFF2-40B4-BE49-F238E27FC236}">
-                <a16:creationId xmlns:a16="http://schemas.microsoft.com/office/drawing/2014/main" xmlns="" id="{E346877C-16A9-466C-AFE5-B57AEC56865B}"/>
+                <a16:creationId xmlns="" xmlns:a16="http://schemas.microsoft.com/office/drawing/2014/main" id="{E346877C-16A9-466C-AFE5-B57AEC56865B}"/>
               </a:ext>
             </a:extLst>
           </p:cNvPr>
@@ -10544,7 +10586,7 @@
           <p:cNvPr id="21" name="&quot;Not Allowed&quot; Symbol 20">
             <a:extLst>
               <a:ext uri="{FF2B5EF4-FFF2-40B4-BE49-F238E27FC236}">
-                <a16:creationId xmlns:a16="http://schemas.microsoft.com/office/drawing/2014/main" xmlns="" id="{913B4A88-1B04-4D14-A158-2D50F4E324F2}"/>
+                <a16:creationId xmlns="" xmlns:a16="http://schemas.microsoft.com/office/drawing/2014/main" id="{913B4A88-1B04-4D14-A158-2D50F4E324F2}"/>
               </a:ext>
             </a:extLst>
           </p:cNvPr>
@@ -10594,7 +10636,7 @@
           <p:cNvPr id="22" name="&quot;Not Allowed&quot; Symbol 21">
             <a:extLst>
               <a:ext uri="{FF2B5EF4-FFF2-40B4-BE49-F238E27FC236}">
-                <a16:creationId xmlns:a16="http://schemas.microsoft.com/office/drawing/2014/main" xmlns="" id="{110C161F-0F13-4736-A756-7E1DE47ADF67}"/>
+                <a16:creationId xmlns="" xmlns:a16="http://schemas.microsoft.com/office/drawing/2014/main" id="{110C161F-0F13-4736-A756-7E1DE47ADF67}"/>
               </a:ext>
             </a:extLst>
           </p:cNvPr>
@@ -10644,7 +10686,7 @@
           <p:cNvPr id="23" name="&quot;Not Allowed&quot; Symbol 22">
             <a:extLst>
               <a:ext uri="{FF2B5EF4-FFF2-40B4-BE49-F238E27FC236}">
-                <a16:creationId xmlns:a16="http://schemas.microsoft.com/office/drawing/2014/main" xmlns="" id="{C8042CAC-F6BD-44DE-9F38-8A23F1DB6333}"/>
+                <a16:creationId xmlns="" xmlns:a16="http://schemas.microsoft.com/office/drawing/2014/main" id="{C8042CAC-F6BD-44DE-9F38-8A23F1DB6333}"/>
               </a:ext>
             </a:extLst>
           </p:cNvPr>
@@ -10694,7 +10736,7 @@
           <p:cNvPr id="24" name="&quot;Not Allowed&quot; Symbol 23">
             <a:extLst>
               <a:ext uri="{FF2B5EF4-FFF2-40B4-BE49-F238E27FC236}">
-                <a16:creationId xmlns:a16="http://schemas.microsoft.com/office/drawing/2014/main" xmlns="" id="{52E6FF4D-5F02-4BB2-991A-15AE90A53175}"/>
+                <a16:creationId xmlns="" xmlns:a16="http://schemas.microsoft.com/office/drawing/2014/main" id="{52E6FF4D-5F02-4BB2-991A-15AE90A53175}"/>
               </a:ext>
             </a:extLst>
           </p:cNvPr>
@@ -10744,7 +10786,7 @@
           <p:cNvPr id="25" name="&quot;Not Allowed&quot; Symbol 24">
             <a:extLst>
               <a:ext uri="{FF2B5EF4-FFF2-40B4-BE49-F238E27FC236}">
-                <a16:creationId xmlns:a16="http://schemas.microsoft.com/office/drawing/2014/main" xmlns="" id="{6BEECA68-8D37-48D1-8DFB-39341C08C00D}"/>
+                <a16:creationId xmlns="" xmlns:a16="http://schemas.microsoft.com/office/drawing/2014/main" id="{6BEECA68-8D37-48D1-8DFB-39341C08C00D}"/>
               </a:ext>
             </a:extLst>
           </p:cNvPr>
@@ -10794,7 +10836,7 @@
           <p:cNvPr id="26" name="TextBox 25">
             <a:extLst>
               <a:ext uri="{FF2B5EF4-FFF2-40B4-BE49-F238E27FC236}">
-                <a16:creationId xmlns:a16="http://schemas.microsoft.com/office/drawing/2014/main" xmlns="" id="{3F9F4810-2C61-420D-A71F-A7C60710B2A3}"/>
+                <a16:creationId xmlns="" xmlns:a16="http://schemas.microsoft.com/office/drawing/2014/main" id="{3F9F4810-2C61-420D-A71F-A7C60710B2A3}"/>
               </a:ext>
             </a:extLst>
           </p:cNvPr>
@@ -10945,7 +10987,7 @@
           <p:cNvPr id="5" name="Picture 4">
             <a:extLst>
               <a:ext uri="{FF2B5EF4-FFF2-40B4-BE49-F238E27FC236}">
-                <a16:creationId xmlns:a16="http://schemas.microsoft.com/office/drawing/2014/main" xmlns="" id="{466E860B-5191-495A-B557-32E8D990397D}"/>
+                <a16:creationId xmlns="" xmlns:a16="http://schemas.microsoft.com/office/drawing/2014/main" id="{466E860B-5191-495A-B557-32E8D990397D}"/>
               </a:ext>
             </a:extLst>
           </p:cNvPr>
@@ -10975,7 +11017,7 @@
           <p:cNvPr id="6" name="Picture 5">
             <a:extLst>
               <a:ext uri="{FF2B5EF4-FFF2-40B4-BE49-F238E27FC236}">
-                <a16:creationId xmlns:a16="http://schemas.microsoft.com/office/drawing/2014/main" xmlns="" id="{493E9479-4A52-434E-A4F9-589070881089}"/>
+                <a16:creationId xmlns="" xmlns:a16="http://schemas.microsoft.com/office/drawing/2014/main" id="{493E9479-4A52-434E-A4F9-589070881089}"/>
               </a:ext>
             </a:extLst>
           </p:cNvPr>
@@ -11122,7 +11164,7 @@
           <p:cNvPr id="5" name="Picture 4">
             <a:extLst>
               <a:ext uri="{FF2B5EF4-FFF2-40B4-BE49-F238E27FC236}">
-                <a16:creationId xmlns:a16="http://schemas.microsoft.com/office/drawing/2014/main" xmlns="" id="{A122BA49-BCC1-4069-8B36-2E2A36A085DC}"/>
+                <a16:creationId xmlns="" xmlns:a16="http://schemas.microsoft.com/office/drawing/2014/main" id="{A122BA49-BCC1-4069-8B36-2E2A36A085DC}"/>
               </a:ext>
             </a:extLst>
           </p:cNvPr>
@@ -11577,7 +11619,7 @@
   <a:extraClrSchemeLst/>
   <a:extLst>
     <a:ext uri="{05A4C25C-085E-4340-85A3-A5531E510DB2}">
-      <thm15:themeFamily xmlns:thm15="http://schemas.microsoft.com/office/thememl/2012/main" xmlns="" name="Office Theme" id="{62F939B6-93AF-4DB8-9C6B-D6C7DFDC589F}" vid="{4A3C46E8-61CC-4603-A589-7422A47A8E4A}"/>
+      <thm15:themeFamily xmlns="" xmlns:thm15="http://schemas.microsoft.com/office/thememl/2012/main" name="Office Theme" id="{62F939B6-93AF-4DB8-9C6B-D6C7DFDC589F}" vid="{4A3C46E8-61CC-4603-A589-7422A47A8E4A}"/>
     </a:ext>
   </a:extLst>
 </a:theme>
@@ -11838,7 +11880,7 @@
   <a:extraClrSchemeLst/>
   <a:extLst>
     <a:ext uri="{05A4C25C-085E-4340-85A3-A5531E510DB2}">
-      <thm15:themeFamily xmlns:thm15="http://schemas.microsoft.com/office/thememl/2012/main" xmlns="" name="Office Theme" id="{62F939B6-93AF-4DB8-9C6B-D6C7DFDC589F}" vid="{4A3C46E8-61CC-4603-A589-7422A47A8E4A}"/>
+      <thm15:themeFamily xmlns="" xmlns:thm15="http://schemas.microsoft.com/office/thememl/2012/main" name="Office Theme" id="{62F939B6-93AF-4DB8-9C6B-D6C7DFDC589F}" vid="{4A3C46E8-61CC-4603-A589-7422A47A8E4A}"/>
     </a:ext>
   </a:extLst>
 </a:theme>
